--- a/Bite_Counter/BiteCounter_Product.pptx
+++ b/Bite_Counter/BiteCounter_Product.pptx
@@ -4,13 +4,15 @@
   <p:sldMasterIdLst>
     <p:sldMasterId id="2147483648" r:id="rId2"/>
     <p:sldMasterId id="2147483661" r:id="rId3"/>
+    <p:sldMasterId id="2147483674" r:id="rId4"/>
   </p:sldMasterIdLst>
   <p:sldIdLst>
-    <p:sldId id="256" r:id="rId4"/>
-    <p:sldId id="257" r:id="rId5"/>
-    <p:sldId id="258" r:id="rId6"/>
-    <p:sldId id="259" r:id="rId7"/>
-    <p:sldId id="260" r:id="rId8"/>
+    <p:sldId id="256" r:id="rId5"/>
+    <p:sldId id="257" r:id="rId6"/>
+    <p:sldId id="258" r:id="rId7"/>
+    <p:sldId id="259" r:id="rId8"/>
+    <p:sldId id="260" r:id="rId9"/>
+    <p:sldId id="261" r:id="rId10"/>
   </p:sldIdLst>
   <p:sldSz cx="10080625" cy="5670550"/>
   <p:notesSz cx="7772400" cy="10058400"/>
@@ -69,7 +71,7 @@
         <p:spPr>
           <a:xfrm>
             <a:off x="504000" y="226080"/>
-            <a:ext cx="9071280" cy="946080"/>
+            <a:ext cx="9072000" cy="946440"/>
           </a:xfrm>
           <a:prstGeom prst="rect">
             <a:avLst/>
@@ -98,7 +100,7 @@
         <p:spPr>
           <a:xfrm>
             <a:off x="504000" y="1326600"/>
-            <a:ext cx="9071280" cy="1568160"/>
+            <a:ext cx="9072000" cy="1568520"/>
           </a:xfrm>
           <a:prstGeom prst="rect">
             <a:avLst/>
@@ -127,8 +129,8 @@
         </p:nvSpPr>
         <p:spPr>
           <a:xfrm>
-            <a:off x="504000" y="3044160"/>
-            <a:ext cx="9071280" cy="1568160"/>
+            <a:off x="504000" y="3044520"/>
+            <a:ext cx="9072000" cy="1568520"/>
           </a:xfrm>
           <a:prstGeom prst="rect">
             <a:avLst/>
@@ -180,7 +182,7 @@
         <p:spPr>
           <a:xfrm>
             <a:off x="504000" y="226080"/>
-            <a:ext cx="9071280" cy="946080"/>
+            <a:ext cx="9072000" cy="946440"/>
           </a:xfrm>
           <a:prstGeom prst="rect">
             <a:avLst/>
@@ -209,7 +211,7 @@
         <p:spPr>
           <a:xfrm>
             <a:off x="504000" y="1326600"/>
-            <a:ext cx="4426560" cy="1568160"/>
+            <a:ext cx="4426920" cy="1568520"/>
           </a:xfrm>
           <a:prstGeom prst="rect">
             <a:avLst/>
@@ -238,8 +240,8 @@
         </p:nvSpPr>
         <p:spPr>
           <a:xfrm>
-            <a:off x="5152320" y="1326600"/>
-            <a:ext cx="4426560" cy="1568160"/>
+            <a:off x="5152680" y="1326600"/>
+            <a:ext cx="4426920" cy="1568520"/>
           </a:xfrm>
           <a:prstGeom prst="rect">
             <a:avLst/>
@@ -268,8 +270,8 @@
         </p:nvSpPr>
         <p:spPr>
           <a:xfrm>
-            <a:off x="504000" y="3044160"/>
-            <a:ext cx="4426560" cy="1568160"/>
+            <a:off x="504000" y="3044520"/>
+            <a:ext cx="4426920" cy="1568520"/>
           </a:xfrm>
           <a:prstGeom prst="rect">
             <a:avLst/>
@@ -298,8 +300,8 @@
         </p:nvSpPr>
         <p:spPr>
           <a:xfrm>
-            <a:off x="5152320" y="3044160"/>
-            <a:ext cx="4426560" cy="1568160"/>
+            <a:off x="5152680" y="3044520"/>
+            <a:ext cx="4426920" cy="1568520"/>
           </a:xfrm>
           <a:prstGeom prst="rect">
             <a:avLst/>
@@ -351,7 +353,7 @@
         <p:spPr>
           <a:xfrm>
             <a:off x="504000" y="226080"/>
-            <a:ext cx="9071280" cy="946080"/>
+            <a:ext cx="9072000" cy="946440"/>
           </a:xfrm>
           <a:prstGeom prst="rect">
             <a:avLst/>
@@ -380,7 +382,7 @@
         <p:spPr>
           <a:xfrm>
             <a:off x="504000" y="1326600"/>
-            <a:ext cx="2920680" cy="1568160"/>
+            <a:ext cx="2921040" cy="1568520"/>
           </a:xfrm>
           <a:prstGeom prst="rect">
             <a:avLst/>
@@ -409,8 +411,8 @@
         </p:nvSpPr>
         <p:spPr>
           <a:xfrm>
-            <a:off x="3571200" y="1326600"/>
-            <a:ext cx="2920680" cy="1568160"/>
+            <a:off x="3571560" y="1326600"/>
+            <a:ext cx="2921040" cy="1568520"/>
           </a:xfrm>
           <a:prstGeom prst="rect">
             <a:avLst/>
@@ -439,8 +441,8 @@
         </p:nvSpPr>
         <p:spPr>
           <a:xfrm>
-            <a:off x="6638040" y="1326600"/>
-            <a:ext cx="2920680" cy="1568160"/>
+            <a:off x="6639120" y="1326600"/>
+            <a:ext cx="2921040" cy="1568520"/>
           </a:xfrm>
           <a:prstGeom prst="rect">
             <a:avLst/>
@@ -469,8 +471,8 @@
         </p:nvSpPr>
         <p:spPr>
           <a:xfrm>
-            <a:off x="504000" y="3044160"/>
-            <a:ext cx="2920680" cy="1568160"/>
+            <a:off x="504000" y="3044520"/>
+            <a:ext cx="2921040" cy="1568520"/>
           </a:xfrm>
           <a:prstGeom prst="rect">
             <a:avLst/>
@@ -499,8 +501,8 @@
         </p:nvSpPr>
         <p:spPr>
           <a:xfrm>
-            <a:off x="3571200" y="3044160"/>
-            <a:ext cx="2920680" cy="1568160"/>
+            <a:off x="3571560" y="3044520"/>
+            <a:ext cx="2921040" cy="1568520"/>
           </a:xfrm>
           <a:prstGeom prst="rect">
             <a:avLst/>
@@ -529,8 +531,8 @@
         </p:nvSpPr>
         <p:spPr>
           <a:xfrm>
-            <a:off x="6638040" y="3044160"/>
-            <a:ext cx="2920680" cy="1568160"/>
+            <a:off x="6639120" y="3044520"/>
+            <a:ext cx="2921040" cy="1568520"/>
           </a:xfrm>
           <a:prstGeom prst="rect">
             <a:avLst/>
@@ -604,7 +606,7 @@
         <p:spPr>
           <a:xfrm>
             <a:off x="504000" y="226080"/>
-            <a:ext cx="9071280" cy="946080"/>
+            <a:ext cx="9072000" cy="946440"/>
           </a:xfrm>
           <a:prstGeom prst="rect">
             <a:avLst/>
@@ -633,7 +635,7 @@
         <p:spPr>
           <a:xfrm>
             <a:off x="504000" y="1326600"/>
-            <a:ext cx="9071280" cy="3287880"/>
+            <a:ext cx="9072000" cy="3288600"/>
           </a:xfrm>
           <a:prstGeom prst="rect">
             <a:avLst/>
@@ -684,7 +686,7 @@
         <p:spPr>
           <a:xfrm>
             <a:off x="504000" y="226080"/>
-            <a:ext cx="9071280" cy="946080"/>
+            <a:ext cx="9072000" cy="946440"/>
           </a:xfrm>
           <a:prstGeom prst="rect">
             <a:avLst/>
@@ -713,7 +715,7 @@
         <p:spPr>
           <a:xfrm>
             <a:off x="504000" y="1326600"/>
-            <a:ext cx="9071280" cy="3287880"/>
+            <a:ext cx="9072000" cy="3288600"/>
           </a:xfrm>
           <a:prstGeom prst="rect">
             <a:avLst/>
@@ -765,7 +767,7 @@
         <p:spPr>
           <a:xfrm>
             <a:off x="504000" y="226080"/>
-            <a:ext cx="9071280" cy="946080"/>
+            <a:ext cx="9072000" cy="946440"/>
           </a:xfrm>
           <a:prstGeom prst="rect">
             <a:avLst/>
@@ -794,7 +796,7 @@
         <p:spPr>
           <a:xfrm>
             <a:off x="504000" y="1326600"/>
-            <a:ext cx="4426560" cy="3287880"/>
+            <a:ext cx="4426920" cy="3288600"/>
           </a:xfrm>
           <a:prstGeom prst="rect">
             <a:avLst/>
@@ -823,8 +825,8 @@
         </p:nvSpPr>
         <p:spPr>
           <a:xfrm>
-            <a:off x="5152320" y="1326600"/>
-            <a:ext cx="4426560" cy="3287880"/>
+            <a:off x="5152680" y="1326600"/>
+            <a:ext cx="4426920" cy="3288600"/>
           </a:xfrm>
           <a:prstGeom prst="rect">
             <a:avLst/>
@@ -876,7 +878,7 @@
         <p:spPr>
           <a:xfrm>
             <a:off x="504000" y="226080"/>
-            <a:ext cx="9071280" cy="946080"/>
+            <a:ext cx="9072000" cy="946440"/>
           </a:xfrm>
           <a:prstGeom prst="rect">
             <a:avLst/>
@@ -927,7 +929,7 @@
         <p:spPr>
           <a:xfrm>
             <a:off x="504000" y="226080"/>
-            <a:ext cx="9071280" cy="4386600"/>
+            <a:ext cx="9072000" cy="4388400"/>
           </a:xfrm>
           <a:prstGeom prst="rect">
             <a:avLst/>
@@ -978,7 +980,7 @@
         <p:spPr>
           <a:xfrm>
             <a:off x="504000" y="226080"/>
-            <a:ext cx="9071280" cy="946080"/>
+            <a:ext cx="9072000" cy="946440"/>
           </a:xfrm>
           <a:prstGeom prst="rect">
             <a:avLst/>
@@ -1007,7 +1009,7 @@
         <p:spPr>
           <a:xfrm>
             <a:off x="504000" y="1326600"/>
-            <a:ext cx="4426560" cy="1568160"/>
+            <a:ext cx="4426920" cy="1568520"/>
           </a:xfrm>
           <a:prstGeom prst="rect">
             <a:avLst/>
@@ -1036,8 +1038,8 @@
         </p:nvSpPr>
         <p:spPr>
           <a:xfrm>
-            <a:off x="5152320" y="1326600"/>
-            <a:ext cx="4426560" cy="3287880"/>
+            <a:off x="5152680" y="1326600"/>
+            <a:ext cx="4426920" cy="3288600"/>
           </a:xfrm>
           <a:prstGeom prst="rect">
             <a:avLst/>
@@ -1066,8 +1068,8 @@
         </p:nvSpPr>
         <p:spPr>
           <a:xfrm>
-            <a:off x="504000" y="3044160"/>
-            <a:ext cx="4426560" cy="1568160"/>
+            <a:off x="504000" y="3044520"/>
+            <a:ext cx="4426920" cy="1568520"/>
           </a:xfrm>
           <a:prstGeom prst="rect">
             <a:avLst/>
@@ -1119,7 +1121,7 @@
         <p:spPr>
           <a:xfrm>
             <a:off x="504000" y="226080"/>
-            <a:ext cx="9071280" cy="946080"/>
+            <a:ext cx="9072000" cy="946440"/>
           </a:xfrm>
           <a:prstGeom prst="rect">
             <a:avLst/>
@@ -1148,7 +1150,7 @@
         <p:spPr>
           <a:xfrm>
             <a:off x="504000" y="1326600"/>
-            <a:ext cx="9071280" cy="3287880"/>
+            <a:ext cx="9072000" cy="3288600"/>
           </a:xfrm>
           <a:prstGeom prst="rect">
             <a:avLst/>
@@ -1199,7 +1201,7 @@
         <p:spPr>
           <a:xfrm>
             <a:off x="504000" y="226080"/>
-            <a:ext cx="9071280" cy="946080"/>
+            <a:ext cx="9072000" cy="946440"/>
           </a:xfrm>
           <a:prstGeom prst="rect">
             <a:avLst/>
@@ -1228,7 +1230,7 @@
         <p:spPr>
           <a:xfrm>
             <a:off x="504000" y="1326600"/>
-            <a:ext cx="4426560" cy="3287880"/>
+            <a:ext cx="4426920" cy="3288600"/>
           </a:xfrm>
           <a:prstGeom prst="rect">
             <a:avLst/>
@@ -1257,8 +1259,8 @@
         </p:nvSpPr>
         <p:spPr>
           <a:xfrm>
-            <a:off x="5152320" y="1326600"/>
-            <a:ext cx="4426560" cy="1568160"/>
+            <a:off x="5152680" y="1326600"/>
+            <a:ext cx="4426920" cy="1568520"/>
           </a:xfrm>
           <a:prstGeom prst="rect">
             <a:avLst/>
@@ -1287,8 +1289,8 @@
         </p:nvSpPr>
         <p:spPr>
           <a:xfrm>
-            <a:off x="5152320" y="3044160"/>
-            <a:ext cx="4426560" cy="1568160"/>
+            <a:off x="5152680" y="3044520"/>
+            <a:ext cx="4426920" cy="1568520"/>
           </a:xfrm>
           <a:prstGeom prst="rect">
             <a:avLst/>
@@ -1340,7 +1342,7 @@
         <p:spPr>
           <a:xfrm>
             <a:off x="504000" y="226080"/>
-            <a:ext cx="9071280" cy="946080"/>
+            <a:ext cx="9072000" cy="946440"/>
           </a:xfrm>
           <a:prstGeom prst="rect">
             <a:avLst/>
@@ -1369,7 +1371,7 @@
         <p:spPr>
           <a:xfrm>
             <a:off x="504000" y="1326600"/>
-            <a:ext cx="4426560" cy="1568160"/>
+            <a:ext cx="4426920" cy="1568520"/>
           </a:xfrm>
           <a:prstGeom prst="rect">
             <a:avLst/>
@@ -1398,8 +1400,8 @@
         </p:nvSpPr>
         <p:spPr>
           <a:xfrm>
-            <a:off x="5152320" y="1326600"/>
-            <a:ext cx="4426560" cy="1568160"/>
+            <a:off x="5152680" y="1326600"/>
+            <a:ext cx="4426920" cy="1568520"/>
           </a:xfrm>
           <a:prstGeom prst="rect">
             <a:avLst/>
@@ -1428,8 +1430,8 @@
         </p:nvSpPr>
         <p:spPr>
           <a:xfrm>
-            <a:off x="504000" y="3044160"/>
-            <a:ext cx="9071280" cy="1568160"/>
+            <a:off x="504000" y="3044520"/>
+            <a:ext cx="9072000" cy="1568520"/>
           </a:xfrm>
           <a:prstGeom prst="rect">
             <a:avLst/>
@@ -1481,7 +1483,7 @@
         <p:spPr>
           <a:xfrm>
             <a:off x="504000" y="226080"/>
-            <a:ext cx="9071280" cy="946080"/>
+            <a:ext cx="9072000" cy="946440"/>
           </a:xfrm>
           <a:prstGeom prst="rect">
             <a:avLst/>
@@ -1510,7 +1512,7 @@
         <p:spPr>
           <a:xfrm>
             <a:off x="504000" y="1326600"/>
-            <a:ext cx="9071280" cy="1568160"/>
+            <a:ext cx="9072000" cy="1568520"/>
           </a:xfrm>
           <a:prstGeom prst="rect">
             <a:avLst/>
@@ -1539,8 +1541,8 @@
         </p:nvSpPr>
         <p:spPr>
           <a:xfrm>
-            <a:off x="504000" y="3044160"/>
-            <a:ext cx="9071280" cy="1568160"/>
+            <a:off x="504000" y="3044520"/>
+            <a:ext cx="9072000" cy="1568520"/>
           </a:xfrm>
           <a:prstGeom prst="rect">
             <a:avLst/>
@@ -1592,7 +1594,7 @@
         <p:spPr>
           <a:xfrm>
             <a:off x="504000" y="226080"/>
-            <a:ext cx="9071280" cy="946080"/>
+            <a:ext cx="9072000" cy="946440"/>
           </a:xfrm>
           <a:prstGeom prst="rect">
             <a:avLst/>
@@ -1621,7 +1623,7 @@
         <p:spPr>
           <a:xfrm>
             <a:off x="504000" y="1326600"/>
-            <a:ext cx="4426560" cy="1568160"/>
+            <a:ext cx="4426920" cy="1568520"/>
           </a:xfrm>
           <a:prstGeom prst="rect">
             <a:avLst/>
@@ -1650,8 +1652,8 @@
         </p:nvSpPr>
         <p:spPr>
           <a:xfrm>
-            <a:off x="5152320" y="1326600"/>
-            <a:ext cx="4426560" cy="1568160"/>
+            <a:off x="5152680" y="1326600"/>
+            <a:ext cx="4426920" cy="1568520"/>
           </a:xfrm>
           <a:prstGeom prst="rect">
             <a:avLst/>
@@ -1680,8 +1682,8 @@
         </p:nvSpPr>
         <p:spPr>
           <a:xfrm>
-            <a:off x="504000" y="3044160"/>
-            <a:ext cx="4426560" cy="1568160"/>
+            <a:off x="504000" y="3044520"/>
+            <a:ext cx="4426920" cy="1568520"/>
           </a:xfrm>
           <a:prstGeom prst="rect">
             <a:avLst/>
@@ -1710,8 +1712,8 @@
         </p:nvSpPr>
         <p:spPr>
           <a:xfrm>
-            <a:off x="5152320" y="3044160"/>
-            <a:ext cx="4426560" cy="1568160"/>
+            <a:off x="5152680" y="3044520"/>
+            <a:ext cx="4426920" cy="1568520"/>
           </a:xfrm>
           <a:prstGeom prst="rect">
             <a:avLst/>
@@ -1763,7 +1765,7 @@
         <p:spPr>
           <a:xfrm>
             <a:off x="504000" y="226080"/>
-            <a:ext cx="9071280" cy="946080"/>
+            <a:ext cx="9072000" cy="946440"/>
           </a:xfrm>
           <a:prstGeom prst="rect">
             <a:avLst/>
@@ -1792,7 +1794,7 @@
         <p:spPr>
           <a:xfrm>
             <a:off x="504000" y="1326600"/>
-            <a:ext cx="2920680" cy="1568160"/>
+            <a:ext cx="2921040" cy="1568520"/>
           </a:xfrm>
           <a:prstGeom prst="rect">
             <a:avLst/>
@@ -1821,8 +1823,8 @@
         </p:nvSpPr>
         <p:spPr>
           <a:xfrm>
-            <a:off x="3571200" y="1326600"/>
-            <a:ext cx="2920680" cy="1568160"/>
+            <a:off x="3571560" y="1326600"/>
+            <a:ext cx="2921040" cy="1568520"/>
           </a:xfrm>
           <a:prstGeom prst="rect">
             <a:avLst/>
@@ -1851,8 +1853,8 @@
         </p:nvSpPr>
         <p:spPr>
           <a:xfrm>
-            <a:off x="6638040" y="1326600"/>
-            <a:ext cx="2920680" cy="1568160"/>
+            <a:off x="6639120" y="1326600"/>
+            <a:ext cx="2921040" cy="1568520"/>
           </a:xfrm>
           <a:prstGeom prst="rect">
             <a:avLst/>
@@ -1881,8 +1883,8 @@
         </p:nvSpPr>
         <p:spPr>
           <a:xfrm>
-            <a:off x="504000" y="3044160"/>
-            <a:ext cx="2920680" cy="1568160"/>
+            <a:off x="504000" y="3044520"/>
+            <a:ext cx="2921040" cy="1568520"/>
           </a:xfrm>
           <a:prstGeom prst="rect">
             <a:avLst/>
@@ -1911,8 +1913,8 @@
         </p:nvSpPr>
         <p:spPr>
           <a:xfrm>
-            <a:off x="3571200" y="3044160"/>
-            <a:ext cx="2920680" cy="1568160"/>
+            <a:off x="3571560" y="3044520"/>
+            <a:ext cx="2921040" cy="1568520"/>
           </a:xfrm>
           <a:prstGeom prst="rect">
             <a:avLst/>
@@ -1941,8 +1943,8 @@
         </p:nvSpPr>
         <p:spPr>
           <a:xfrm>
-            <a:off x="6638040" y="3044160"/>
-            <a:ext cx="2920680" cy="1568160"/>
+            <a:off x="6639120" y="3044520"/>
+            <a:ext cx="2921040" cy="1568520"/>
           </a:xfrm>
           <a:prstGeom prst="rect">
             <a:avLst/>
@@ -1954,6 +1956,351 @@
           </a:bodyPr>
           <a:p>
             <a:endParaRPr b="0" lang="en-US" sz="3200" spc="-1" strike="noStrike">
+              <a:latin typeface="Arial"/>
+            </a:endParaRPr>
+          </a:p>
+        </p:txBody>
+      </p:sp>
+    </p:spTree>
+  </p:cSld>
+</p:sldLayout>
+</file>
+
+<file path=ppt/slideLayouts/slideLayout25.xml><?xml version="1.0" encoding="utf-8"?>
+<p:sldLayout xmlns:a="http://schemas.openxmlformats.org/drawingml/2006/main" xmlns:p="http://schemas.openxmlformats.org/presentationml/2006/main" xmlns:r="http://schemas.openxmlformats.org/officeDocument/2006/relationships" xmlns:p14="http://schemas.microsoft.com/office/powerpoint/2010/main" xmlns:p15="http://schemas.microsoft.com/office/powerpoint/2012/main" xmlns:mc="http://schemas.openxmlformats.org/markup-compatibility/2006" type="blank" preserve="1">
+  <p:cSld name="Blank Slide">
+    <p:spTree>
+      <p:nvGrpSpPr>
+        <p:cNvPr id="1" name=""/>
+        <p:cNvGrpSpPr/>
+        <p:nvPr/>
+      </p:nvGrpSpPr>
+      <p:grpSpPr>
+        <a:xfrm>
+          <a:off x="0" y="0"/>
+          <a:ext cx="0" cy="0"/>
+          <a:chOff x="0" y="0"/>
+          <a:chExt cx="0" cy="0"/>
+        </a:xfrm>
+      </p:grpSpPr>
+    </p:spTree>
+  </p:cSld>
+</p:sldLayout>
+</file>
+
+<file path=ppt/slideLayouts/slideLayout26.xml><?xml version="1.0" encoding="utf-8"?>
+<p:sldLayout xmlns:a="http://schemas.openxmlformats.org/drawingml/2006/main" xmlns:p="http://schemas.openxmlformats.org/presentationml/2006/main" xmlns:r="http://schemas.openxmlformats.org/officeDocument/2006/relationships" xmlns:p14="http://schemas.microsoft.com/office/powerpoint/2010/main" xmlns:p15="http://schemas.microsoft.com/office/powerpoint/2012/main" xmlns:mc="http://schemas.openxmlformats.org/markup-compatibility/2006" type="tx" preserve="1">
+  <p:cSld name="Title Slide">
+    <p:spTree>
+      <p:nvGrpSpPr>
+        <p:cNvPr id="1" name=""/>
+        <p:cNvGrpSpPr/>
+        <p:nvPr/>
+      </p:nvGrpSpPr>
+      <p:grpSpPr>
+        <a:xfrm>
+          <a:off x="0" y="0"/>
+          <a:ext cx="0" cy="0"/>
+          <a:chOff x="0" y="0"/>
+          <a:chExt cx="0" cy="0"/>
+        </a:xfrm>
+      </p:grpSpPr>
+      <p:sp>
+        <p:nvSpPr>
+          <p:cNvPr id="81" name="PlaceHolder 1"/>
+          <p:cNvSpPr>
+            <a:spLocks noGrp="1"/>
+          </p:cNvSpPr>
+          <p:nvPr>
+            <p:ph type="title"/>
+          </p:nvPr>
+        </p:nvSpPr>
+        <p:spPr>
+          <a:xfrm>
+            <a:off x="504000" y="226080"/>
+            <a:ext cx="9072000" cy="946440"/>
+          </a:xfrm>
+          <a:prstGeom prst="rect">
+            <a:avLst/>
+          </a:prstGeom>
+        </p:spPr>
+        <p:txBody>
+          <a:bodyPr lIns="0" rIns="0" tIns="0" bIns="0" anchor="ctr"/>
+          <a:p>
+            <a:pPr algn="ctr"/>
+            <a:endParaRPr b="0" lang="en-US" sz="4400" spc="-1" strike="noStrike">
+              <a:latin typeface="Arial"/>
+            </a:endParaRPr>
+          </a:p>
+        </p:txBody>
+      </p:sp>
+      <p:sp>
+        <p:nvSpPr>
+          <p:cNvPr id="82" name="PlaceHolder 2"/>
+          <p:cNvSpPr>
+            <a:spLocks noGrp="1"/>
+          </p:cNvSpPr>
+          <p:nvPr>
+            <p:ph type="subTitle"/>
+          </p:nvPr>
+        </p:nvSpPr>
+        <p:spPr>
+          <a:xfrm>
+            <a:off x="504000" y="1326600"/>
+            <a:ext cx="9072000" cy="3288600"/>
+          </a:xfrm>
+          <a:prstGeom prst="rect">
+            <a:avLst/>
+          </a:prstGeom>
+        </p:spPr>
+        <p:txBody>
+          <a:bodyPr lIns="0" rIns="0" tIns="0" bIns="0" anchor="ctr"/>
+          <a:p>
+            <a:pPr algn="ctr"/>
+            <a:endParaRPr b="0" lang="en-US" sz="3200" spc="-1" strike="noStrike">
+              <a:latin typeface="Arial"/>
+            </a:endParaRPr>
+          </a:p>
+        </p:txBody>
+      </p:sp>
+    </p:spTree>
+  </p:cSld>
+</p:sldLayout>
+</file>
+
+<file path=ppt/slideLayouts/slideLayout27.xml><?xml version="1.0" encoding="utf-8"?>
+<p:sldLayout xmlns:a="http://schemas.openxmlformats.org/drawingml/2006/main" xmlns:p="http://schemas.openxmlformats.org/presentationml/2006/main" xmlns:r="http://schemas.openxmlformats.org/officeDocument/2006/relationships" xmlns:p14="http://schemas.microsoft.com/office/powerpoint/2010/main" xmlns:p15="http://schemas.microsoft.com/office/powerpoint/2012/main" xmlns:mc="http://schemas.openxmlformats.org/markup-compatibility/2006" type="obj" preserve="1">
+  <p:cSld name="Title, Content">
+    <p:spTree>
+      <p:nvGrpSpPr>
+        <p:cNvPr id="1" name=""/>
+        <p:cNvGrpSpPr/>
+        <p:nvPr/>
+      </p:nvGrpSpPr>
+      <p:grpSpPr>
+        <a:xfrm>
+          <a:off x="0" y="0"/>
+          <a:ext cx="0" cy="0"/>
+          <a:chOff x="0" y="0"/>
+          <a:chExt cx="0" cy="0"/>
+        </a:xfrm>
+      </p:grpSpPr>
+      <p:sp>
+        <p:nvSpPr>
+          <p:cNvPr id="83" name="PlaceHolder 1"/>
+          <p:cNvSpPr>
+            <a:spLocks noGrp="1"/>
+          </p:cNvSpPr>
+          <p:nvPr>
+            <p:ph type="title"/>
+          </p:nvPr>
+        </p:nvSpPr>
+        <p:spPr>
+          <a:xfrm>
+            <a:off x="504000" y="226080"/>
+            <a:ext cx="9072000" cy="946440"/>
+          </a:xfrm>
+          <a:prstGeom prst="rect">
+            <a:avLst/>
+          </a:prstGeom>
+        </p:spPr>
+        <p:txBody>
+          <a:bodyPr lIns="0" rIns="0" tIns="0" bIns="0" anchor="ctr"/>
+          <a:p>
+            <a:pPr algn="ctr"/>
+            <a:endParaRPr b="0" lang="en-US" sz="4400" spc="-1" strike="noStrike">
+              <a:latin typeface="Arial"/>
+            </a:endParaRPr>
+          </a:p>
+        </p:txBody>
+      </p:sp>
+      <p:sp>
+        <p:nvSpPr>
+          <p:cNvPr id="84" name="PlaceHolder 2"/>
+          <p:cNvSpPr>
+            <a:spLocks noGrp="1"/>
+          </p:cNvSpPr>
+          <p:nvPr>
+            <p:ph type="body"/>
+          </p:nvPr>
+        </p:nvSpPr>
+        <p:spPr>
+          <a:xfrm>
+            <a:off x="504000" y="1326600"/>
+            <a:ext cx="9072000" cy="3288600"/>
+          </a:xfrm>
+          <a:prstGeom prst="rect">
+            <a:avLst/>
+          </a:prstGeom>
+        </p:spPr>
+        <p:txBody>
+          <a:bodyPr lIns="0" rIns="0" tIns="0" bIns="0">
+            <a:normAutofit/>
+          </a:bodyPr>
+          <a:p>
+            <a:endParaRPr b="0" lang="en-US" sz="3200" spc="-1" strike="noStrike">
+              <a:latin typeface="Arial"/>
+            </a:endParaRPr>
+          </a:p>
+        </p:txBody>
+      </p:sp>
+    </p:spTree>
+  </p:cSld>
+</p:sldLayout>
+</file>
+
+<file path=ppt/slideLayouts/slideLayout28.xml><?xml version="1.0" encoding="utf-8"?>
+<p:sldLayout xmlns:a="http://schemas.openxmlformats.org/drawingml/2006/main" xmlns:p="http://schemas.openxmlformats.org/presentationml/2006/main" xmlns:r="http://schemas.openxmlformats.org/officeDocument/2006/relationships" xmlns:p14="http://schemas.microsoft.com/office/powerpoint/2010/main" xmlns:p15="http://schemas.microsoft.com/office/powerpoint/2012/main" xmlns:mc="http://schemas.openxmlformats.org/markup-compatibility/2006" type="twoObj" preserve="1">
+  <p:cSld name="Title, 2 Content">
+    <p:spTree>
+      <p:nvGrpSpPr>
+        <p:cNvPr id="1" name=""/>
+        <p:cNvGrpSpPr/>
+        <p:nvPr/>
+      </p:nvGrpSpPr>
+      <p:grpSpPr>
+        <a:xfrm>
+          <a:off x="0" y="0"/>
+          <a:ext cx="0" cy="0"/>
+          <a:chOff x="0" y="0"/>
+          <a:chExt cx="0" cy="0"/>
+        </a:xfrm>
+      </p:grpSpPr>
+      <p:sp>
+        <p:nvSpPr>
+          <p:cNvPr id="85" name="PlaceHolder 1"/>
+          <p:cNvSpPr>
+            <a:spLocks noGrp="1"/>
+          </p:cNvSpPr>
+          <p:nvPr>
+            <p:ph type="title"/>
+          </p:nvPr>
+        </p:nvSpPr>
+        <p:spPr>
+          <a:xfrm>
+            <a:off x="504000" y="226080"/>
+            <a:ext cx="9072000" cy="946440"/>
+          </a:xfrm>
+          <a:prstGeom prst="rect">
+            <a:avLst/>
+          </a:prstGeom>
+        </p:spPr>
+        <p:txBody>
+          <a:bodyPr lIns="0" rIns="0" tIns="0" bIns="0" anchor="ctr"/>
+          <a:p>
+            <a:pPr algn="ctr"/>
+            <a:endParaRPr b="0" lang="en-US" sz="4400" spc="-1" strike="noStrike">
+              <a:latin typeface="Arial"/>
+            </a:endParaRPr>
+          </a:p>
+        </p:txBody>
+      </p:sp>
+      <p:sp>
+        <p:nvSpPr>
+          <p:cNvPr id="86" name="PlaceHolder 2"/>
+          <p:cNvSpPr>
+            <a:spLocks noGrp="1"/>
+          </p:cNvSpPr>
+          <p:nvPr>
+            <p:ph type="body"/>
+          </p:nvPr>
+        </p:nvSpPr>
+        <p:spPr>
+          <a:xfrm>
+            <a:off x="504000" y="1326600"/>
+            <a:ext cx="4426920" cy="3288600"/>
+          </a:xfrm>
+          <a:prstGeom prst="rect">
+            <a:avLst/>
+          </a:prstGeom>
+        </p:spPr>
+        <p:txBody>
+          <a:bodyPr lIns="0" rIns="0" tIns="0" bIns="0">
+            <a:normAutofit/>
+          </a:bodyPr>
+          <a:p>
+            <a:endParaRPr b="0" lang="en-US" sz="3200" spc="-1" strike="noStrike">
+              <a:latin typeface="Arial"/>
+            </a:endParaRPr>
+          </a:p>
+        </p:txBody>
+      </p:sp>
+      <p:sp>
+        <p:nvSpPr>
+          <p:cNvPr id="87" name="PlaceHolder 3"/>
+          <p:cNvSpPr>
+            <a:spLocks noGrp="1"/>
+          </p:cNvSpPr>
+          <p:nvPr>
+            <p:ph type="body"/>
+          </p:nvPr>
+        </p:nvSpPr>
+        <p:spPr>
+          <a:xfrm>
+            <a:off x="5152680" y="1326600"/>
+            <a:ext cx="4426920" cy="3288600"/>
+          </a:xfrm>
+          <a:prstGeom prst="rect">
+            <a:avLst/>
+          </a:prstGeom>
+        </p:spPr>
+        <p:txBody>
+          <a:bodyPr lIns="0" rIns="0" tIns="0" bIns="0">
+            <a:normAutofit/>
+          </a:bodyPr>
+          <a:p>
+            <a:endParaRPr b="0" lang="en-US" sz="3200" spc="-1" strike="noStrike">
+              <a:latin typeface="Arial"/>
+            </a:endParaRPr>
+          </a:p>
+        </p:txBody>
+      </p:sp>
+    </p:spTree>
+  </p:cSld>
+</p:sldLayout>
+</file>
+
+<file path=ppt/slideLayouts/slideLayout29.xml><?xml version="1.0" encoding="utf-8"?>
+<p:sldLayout xmlns:a="http://schemas.openxmlformats.org/drawingml/2006/main" xmlns:p="http://schemas.openxmlformats.org/presentationml/2006/main" xmlns:r="http://schemas.openxmlformats.org/officeDocument/2006/relationships" xmlns:p14="http://schemas.microsoft.com/office/powerpoint/2010/main" xmlns:p15="http://schemas.microsoft.com/office/powerpoint/2012/main" xmlns:mc="http://schemas.openxmlformats.org/markup-compatibility/2006" type="titleOnly" preserve="1">
+  <p:cSld name="Title Only">
+    <p:spTree>
+      <p:nvGrpSpPr>
+        <p:cNvPr id="1" name=""/>
+        <p:cNvGrpSpPr/>
+        <p:nvPr/>
+      </p:nvGrpSpPr>
+      <p:grpSpPr>
+        <a:xfrm>
+          <a:off x="0" y="0"/>
+          <a:ext cx="0" cy="0"/>
+          <a:chOff x="0" y="0"/>
+          <a:chExt cx="0" cy="0"/>
+        </a:xfrm>
+      </p:grpSpPr>
+      <p:sp>
+        <p:nvSpPr>
+          <p:cNvPr id="88" name="PlaceHolder 1"/>
+          <p:cNvSpPr>
+            <a:spLocks noGrp="1"/>
+          </p:cNvSpPr>
+          <p:nvPr>
+            <p:ph type="title"/>
+          </p:nvPr>
+        </p:nvSpPr>
+        <p:spPr>
+          <a:xfrm>
+            <a:off x="504000" y="226080"/>
+            <a:ext cx="9072000" cy="946440"/>
+          </a:xfrm>
+          <a:prstGeom prst="rect">
+            <a:avLst/>
+          </a:prstGeom>
+        </p:spPr>
+        <p:txBody>
+          <a:bodyPr lIns="0" rIns="0" tIns="0" bIns="0" anchor="ctr"/>
+          <a:p>
+            <a:pPr algn="ctr"/>
+            <a:endParaRPr b="0" lang="en-US" sz="4400" spc="-1" strike="noStrike">
               <a:latin typeface="Arial"/>
             </a:endParaRPr>
           </a:p>
@@ -1994,7 +2341,7 @@
         <p:spPr>
           <a:xfrm>
             <a:off x="504000" y="226080"/>
-            <a:ext cx="9071280" cy="946080"/>
+            <a:ext cx="9072000" cy="946440"/>
           </a:xfrm>
           <a:prstGeom prst="rect">
             <a:avLst/>
@@ -2023,7 +2370,994 @@
         <p:spPr>
           <a:xfrm>
             <a:off x="504000" y="1326600"/>
-            <a:ext cx="9071280" cy="3287880"/>
+            <a:ext cx="9072000" cy="3288600"/>
+          </a:xfrm>
+          <a:prstGeom prst="rect">
+            <a:avLst/>
+          </a:prstGeom>
+        </p:spPr>
+        <p:txBody>
+          <a:bodyPr lIns="0" rIns="0" tIns="0" bIns="0">
+            <a:normAutofit/>
+          </a:bodyPr>
+          <a:p>
+            <a:endParaRPr b="0" lang="en-US" sz="3200" spc="-1" strike="noStrike">
+              <a:latin typeface="Arial"/>
+            </a:endParaRPr>
+          </a:p>
+        </p:txBody>
+      </p:sp>
+    </p:spTree>
+  </p:cSld>
+</p:sldLayout>
+</file>
+
+<file path=ppt/slideLayouts/slideLayout30.xml><?xml version="1.0" encoding="utf-8"?>
+<p:sldLayout xmlns:a="http://schemas.openxmlformats.org/drawingml/2006/main" xmlns:p="http://schemas.openxmlformats.org/presentationml/2006/main" xmlns:r="http://schemas.openxmlformats.org/officeDocument/2006/relationships" xmlns:p14="http://schemas.microsoft.com/office/powerpoint/2010/main" xmlns:p15="http://schemas.microsoft.com/office/powerpoint/2012/main" xmlns:mc="http://schemas.openxmlformats.org/markup-compatibility/2006" type="objOnly" preserve="1">
+  <p:cSld name="Centered Text">
+    <p:spTree>
+      <p:nvGrpSpPr>
+        <p:cNvPr id="1" name=""/>
+        <p:cNvGrpSpPr/>
+        <p:nvPr/>
+      </p:nvGrpSpPr>
+      <p:grpSpPr>
+        <a:xfrm>
+          <a:off x="0" y="0"/>
+          <a:ext cx="0" cy="0"/>
+          <a:chOff x="0" y="0"/>
+          <a:chExt cx="0" cy="0"/>
+        </a:xfrm>
+      </p:grpSpPr>
+      <p:sp>
+        <p:nvSpPr>
+          <p:cNvPr id="89" name="PlaceHolder 1"/>
+          <p:cNvSpPr>
+            <a:spLocks noGrp="1"/>
+          </p:cNvSpPr>
+          <p:nvPr>
+            <p:ph type="subTitle"/>
+          </p:nvPr>
+        </p:nvSpPr>
+        <p:spPr>
+          <a:xfrm>
+            <a:off x="504000" y="226080"/>
+            <a:ext cx="9072000" cy="4388400"/>
+          </a:xfrm>
+          <a:prstGeom prst="rect">
+            <a:avLst/>
+          </a:prstGeom>
+        </p:spPr>
+        <p:txBody>
+          <a:bodyPr lIns="0" rIns="0" tIns="0" bIns="0" anchor="ctr"/>
+          <a:p>
+            <a:pPr algn="ctr"/>
+            <a:endParaRPr b="0" lang="en-US" sz="3200" spc="-1" strike="noStrike">
+              <a:latin typeface="Arial"/>
+            </a:endParaRPr>
+          </a:p>
+        </p:txBody>
+      </p:sp>
+    </p:spTree>
+  </p:cSld>
+</p:sldLayout>
+</file>
+
+<file path=ppt/slideLayouts/slideLayout31.xml><?xml version="1.0" encoding="utf-8"?>
+<p:sldLayout xmlns:a="http://schemas.openxmlformats.org/drawingml/2006/main" xmlns:p="http://schemas.openxmlformats.org/presentationml/2006/main" xmlns:r="http://schemas.openxmlformats.org/officeDocument/2006/relationships" xmlns:p14="http://schemas.microsoft.com/office/powerpoint/2010/main" xmlns:p15="http://schemas.microsoft.com/office/powerpoint/2012/main" xmlns:mc="http://schemas.openxmlformats.org/markup-compatibility/2006" type="twoObjAndObj" preserve="1">
+  <p:cSld name="Title, 2 Content and Content">
+    <p:spTree>
+      <p:nvGrpSpPr>
+        <p:cNvPr id="1" name=""/>
+        <p:cNvGrpSpPr/>
+        <p:nvPr/>
+      </p:nvGrpSpPr>
+      <p:grpSpPr>
+        <a:xfrm>
+          <a:off x="0" y="0"/>
+          <a:ext cx="0" cy="0"/>
+          <a:chOff x="0" y="0"/>
+          <a:chExt cx="0" cy="0"/>
+        </a:xfrm>
+      </p:grpSpPr>
+      <p:sp>
+        <p:nvSpPr>
+          <p:cNvPr id="90" name="PlaceHolder 1"/>
+          <p:cNvSpPr>
+            <a:spLocks noGrp="1"/>
+          </p:cNvSpPr>
+          <p:nvPr>
+            <p:ph type="title"/>
+          </p:nvPr>
+        </p:nvSpPr>
+        <p:spPr>
+          <a:xfrm>
+            <a:off x="504000" y="226080"/>
+            <a:ext cx="9072000" cy="946440"/>
+          </a:xfrm>
+          <a:prstGeom prst="rect">
+            <a:avLst/>
+          </a:prstGeom>
+        </p:spPr>
+        <p:txBody>
+          <a:bodyPr lIns="0" rIns="0" tIns="0" bIns="0" anchor="ctr"/>
+          <a:p>
+            <a:pPr algn="ctr"/>
+            <a:endParaRPr b="0" lang="en-US" sz="4400" spc="-1" strike="noStrike">
+              <a:latin typeface="Arial"/>
+            </a:endParaRPr>
+          </a:p>
+        </p:txBody>
+      </p:sp>
+      <p:sp>
+        <p:nvSpPr>
+          <p:cNvPr id="91" name="PlaceHolder 2"/>
+          <p:cNvSpPr>
+            <a:spLocks noGrp="1"/>
+          </p:cNvSpPr>
+          <p:nvPr>
+            <p:ph type="body"/>
+          </p:nvPr>
+        </p:nvSpPr>
+        <p:spPr>
+          <a:xfrm>
+            <a:off x="504000" y="1326600"/>
+            <a:ext cx="4426920" cy="1568520"/>
+          </a:xfrm>
+          <a:prstGeom prst="rect">
+            <a:avLst/>
+          </a:prstGeom>
+        </p:spPr>
+        <p:txBody>
+          <a:bodyPr lIns="0" rIns="0" tIns="0" bIns="0">
+            <a:normAutofit/>
+          </a:bodyPr>
+          <a:p>
+            <a:endParaRPr b="0" lang="en-US" sz="3200" spc="-1" strike="noStrike">
+              <a:latin typeface="Arial"/>
+            </a:endParaRPr>
+          </a:p>
+        </p:txBody>
+      </p:sp>
+      <p:sp>
+        <p:nvSpPr>
+          <p:cNvPr id="92" name="PlaceHolder 3"/>
+          <p:cNvSpPr>
+            <a:spLocks noGrp="1"/>
+          </p:cNvSpPr>
+          <p:nvPr>
+            <p:ph type="body"/>
+          </p:nvPr>
+        </p:nvSpPr>
+        <p:spPr>
+          <a:xfrm>
+            <a:off x="5152680" y="1326600"/>
+            <a:ext cx="4426920" cy="3288600"/>
+          </a:xfrm>
+          <a:prstGeom prst="rect">
+            <a:avLst/>
+          </a:prstGeom>
+        </p:spPr>
+        <p:txBody>
+          <a:bodyPr lIns="0" rIns="0" tIns="0" bIns="0">
+            <a:normAutofit/>
+          </a:bodyPr>
+          <a:p>
+            <a:endParaRPr b="0" lang="en-US" sz="3200" spc="-1" strike="noStrike">
+              <a:latin typeface="Arial"/>
+            </a:endParaRPr>
+          </a:p>
+        </p:txBody>
+      </p:sp>
+      <p:sp>
+        <p:nvSpPr>
+          <p:cNvPr id="93" name="PlaceHolder 4"/>
+          <p:cNvSpPr>
+            <a:spLocks noGrp="1"/>
+          </p:cNvSpPr>
+          <p:nvPr>
+            <p:ph type="body"/>
+          </p:nvPr>
+        </p:nvSpPr>
+        <p:spPr>
+          <a:xfrm>
+            <a:off x="504000" y="3044520"/>
+            <a:ext cx="4426920" cy="1568520"/>
+          </a:xfrm>
+          <a:prstGeom prst="rect">
+            <a:avLst/>
+          </a:prstGeom>
+        </p:spPr>
+        <p:txBody>
+          <a:bodyPr lIns="0" rIns="0" tIns="0" bIns="0">
+            <a:normAutofit/>
+          </a:bodyPr>
+          <a:p>
+            <a:endParaRPr b="0" lang="en-US" sz="3200" spc="-1" strike="noStrike">
+              <a:latin typeface="Arial"/>
+            </a:endParaRPr>
+          </a:p>
+        </p:txBody>
+      </p:sp>
+    </p:spTree>
+  </p:cSld>
+</p:sldLayout>
+</file>
+
+<file path=ppt/slideLayouts/slideLayout32.xml><?xml version="1.0" encoding="utf-8"?>
+<p:sldLayout xmlns:a="http://schemas.openxmlformats.org/drawingml/2006/main" xmlns:p="http://schemas.openxmlformats.org/presentationml/2006/main" xmlns:r="http://schemas.openxmlformats.org/officeDocument/2006/relationships" xmlns:p14="http://schemas.microsoft.com/office/powerpoint/2010/main" xmlns:p15="http://schemas.microsoft.com/office/powerpoint/2012/main" xmlns:mc="http://schemas.openxmlformats.org/markup-compatibility/2006" type="objAndTwoObj" preserve="1">
+  <p:cSld name="Title Content and 2 Content">
+    <p:spTree>
+      <p:nvGrpSpPr>
+        <p:cNvPr id="1" name=""/>
+        <p:cNvGrpSpPr/>
+        <p:nvPr/>
+      </p:nvGrpSpPr>
+      <p:grpSpPr>
+        <a:xfrm>
+          <a:off x="0" y="0"/>
+          <a:ext cx="0" cy="0"/>
+          <a:chOff x="0" y="0"/>
+          <a:chExt cx="0" cy="0"/>
+        </a:xfrm>
+      </p:grpSpPr>
+      <p:sp>
+        <p:nvSpPr>
+          <p:cNvPr id="94" name="PlaceHolder 1"/>
+          <p:cNvSpPr>
+            <a:spLocks noGrp="1"/>
+          </p:cNvSpPr>
+          <p:nvPr>
+            <p:ph type="title"/>
+          </p:nvPr>
+        </p:nvSpPr>
+        <p:spPr>
+          <a:xfrm>
+            <a:off x="504000" y="226080"/>
+            <a:ext cx="9072000" cy="946440"/>
+          </a:xfrm>
+          <a:prstGeom prst="rect">
+            <a:avLst/>
+          </a:prstGeom>
+        </p:spPr>
+        <p:txBody>
+          <a:bodyPr lIns="0" rIns="0" tIns="0" bIns="0" anchor="ctr"/>
+          <a:p>
+            <a:pPr algn="ctr"/>
+            <a:endParaRPr b="0" lang="en-US" sz="4400" spc="-1" strike="noStrike">
+              <a:latin typeface="Arial"/>
+            </a:endParaRPr>
+          </a:p>
+        </p:txBody>
+      </p:sp>
+      <p:sp>
+        <p:nvSpPr>
+          <p:cNvPr id="95" name="PlaceHolder 2"/>
+          <p:cNvSpPr>
+            <a:spLocks noGrp="1"/>
+          </p:cNvSpPr>
+          <p:nvPr>
+            <p:ph type="body"/>
+          </p:nvPr>
+        </p:nvSpPr>
+        <p:spPr>
+          <a:xfrm>
+            <a:off x="504000" y="1326600"/>
+            <a:ext cx="4426920" cy="3288600"/>
+          </a:xfrm>
+          <a:prstGeom prst="rect">
+            <a:avLst/>
+          </a:prstGeom>
+        </p:spPr>
+        <p:txBody>
+          <a:bodyPr lIns="0" rIns="0" tIns="0" bIns="0">
+            <a:normAutofit/>
+          </a:bodyPr>
+          <a:p>
+            <a:endParaRPr b="0" lang="en-US" sz="3200" spc="-1" strike="noStrike">
+              <a:latin typeface="Arial"/>
+            </a:endParaRPr>
+          </a:p>
+        </p:txBody>
+      </p:sp>
+      <p:sp>
+        <p:nvSpPr>
+          <p:cNvPr id="96" name="PlaceHolder 3"/>
+          <p:cNvSpPr>
+            <a:spLocks noGrp="1"/>
+          </p:cNvSpPr>
+          <p:nvPr>
+            <p:ph type="body"/>
+          </p:nvPr>
+        </p:nvSpPr>
+        <p:spPr>
+          <a:xfrm>
+            <a:off x="5152680" y="1326600"/>
+            <a:ext cx="4426920" cy="1568520"/>
+          </a:xfrm>
+          <a:prstGeom prst="rect">
+            <a:avLst/>
+          </a:prstGeom>
+        </p:spPr>
+        <p:txBody>
+          <a:bodyPr lIns="0" rIns="0" tIns="0" bIns="0">
+            <a:normAutofit/>
+          </a:bodyPr>
+          <a:p>
+            <a:endParaRPr b="0" lang="en-US" sz="3200" spc="-1" strike="noStrike">
+              <a:latin typeface="Arial"/>
+            </a:endParaRPr>
+          </a:p>
+        </p:txBody>
+      </p:sp>
+      <p:sp>
+        <p:nvSpPr>
+          <p:cNvPr id="97" name="PlaceHolder 4"/>
+          <p:cNvSpPr>
+            <a:spLocks noGrp="1"/>
+          </p:cNvSpPr>
+          <p:nvPr>
+            <p:ph type="body"/>
+          </p:nvPr>
+        </p:nvSpPr>
+        <p:spPr>
+          <a:xfrm>
+            <a:off x="5152680" y="3044520"/>
+            <a:ext cx="4426920" cy="1568520"/>
+          </a:xfrm>
+          <a:prstGeom prst="rect">
+            <a:avLst/>
+          </a:prstGeom>
+        </p:spPr>
+        <p:txBody>
+          <a:bodyPr lIns="0" rIns="0" tIns="0" bIns="0">
+            <a:normAutofit/>
+          </a:bodyPr>
+          <a:p>
+            <a:endParaRPr b="0" lang="en-US" sz="3200" spc="-1" strike="noStrike">
+              <a:latin typeface="Arial"/>
+            </a:endParaRPr>
+          </a:p>
+        </p:txBody>
+      </p:sp>
+    </p:spTree>
+  </p:cSld>
+</p:sldLayout>
+</file>
+
+<file path=ppt/slideLayouts/slideLayout33.xml><?xml version="1.0" encoding="utf-8"?>
+<p:sldLayout xmlns:a="http://schemas.openxmlformats.org/drawingml/2006/main" xmlns:p="http://schemas.openxmlformats.org/presentationml/2006/main" xmlns:r="http://schemas.openxmlformats.org/officeDocument/2006/relationships" xmlns:p14="http://schemas.microsoft.com/office/powerpoint/2010/main" xmlns:p15="http://schemas.microsoft.com/office/powerpoint/2012/main" xmlns:mc="http://schemas.openxmlformats.org/markup-compatibility/2006" type="twoObjOverTx" preserve="1">
+  <p:cSld name="Title, 2 Content over Content">
+    <p:spTree>
+      <p:nvGrpSpPr>
+        <p:cNvPr id="1" name=""/>
+        <p:cNvGrpSpPr/>
+        <p:nvPr/>
+      </p:nvGrpSpPr>
+      <p:grpSpPr>
+        <a:xfrm>
+          <a:off x="0" y="0"/>
+          <a:ext cx="0" cy="0"/>
+          <a:chOff x="0" y="0"/>
+          <a:chExt cx="0" cy="0"/>
+        </a:xfrm>
+      </p:grpSpPr>
+      <p:sp>
+        <p:nvSpPr>
+          <p:cNvPr id="98" name="PlaceHolder 1"/>
+          <p:cNvSpPr>
+            <a:spLocks noGrp="1"/>
+          </p:cNvSpPr>
+          <p:nvPr>
+            <p:ph type="title"/>
+          </p:nvPr>
+        </p:nvSpPr>
+        <p:spPr>
+          <a:xfrm>
+            <a:off x="504000" y="226080"/>
+            <a:ext cx="9072000" cy="946440"/>
+          </a:xfrm>
+          <a:prstGeom prst="rect">
+            <a:avLst/>
+          </a:prstGeom>
+        </p:spPr>
+        <p:txBody>
+          <a:bodyPr lIns="0" rIns="0" tIns="0" bIns="0" anchor="ctr"/>
+          <a:p>
+            <a:pPr algn="ctr"/>
+            <a:endParaRPr b="0" lang="en-US" sz="4400" spc="-1" strike="noStrike">
+              <a:latin typeface="Arial"/>
+            </a:endParaRPr>
+          </a:p>
+        </p:txBody>
+      </p:sp>
+      <p:sp>
+        <p:nvSpPr>
+          <p:cNvPr id="99" name="PlaceHolder 2"/>
+          <p:cNvSpPr>
+            <a:spLocks noGrp="1"/>
+          </p:cNvSpPr>
+          <p:nvPr>
+            <p:ph type="body"/>
+          </p:nvPr>
+        </p:nvSpPr>
+        <p:spPr>
+          <a:xfrm>
+            <a:off x="504000" y="1326600"/>
+            <a:ext cx="4426920" cy="1568520"/>
+          </a:xfrm>
+          <a:prstGeom prst="rect">
+            <a:avLst/>
+          </a:prstGeom>
+        </p:spPr>
+        <p:txBody>
+          <a:bodyPr lIns="0" rIns="0" tIns="0" bIns="0">
+            <a:normAutofit/>
+          </a:bodyPr>
+          <a:p>
+            <a:endParaRPr b="0" lang="en-US" sz="3200" spc="-1" strike="noStrike">
+              <a:latin typeface="Arial"/>
+            </a:endParaRPr>
+          </a:p>
+        </p:txBody>
+      </p:sp>
+      <p:sp>
+        <p:nvSpPr>
+          <p:cNvPr id="100" name="PlaceHolder 3"/>
+          <p:cNvSpPr>
+            <a:spLocks noGrp="1"/>
+          </p:cNvSpPr>
+          <p:nvPr>
+            <p:ph type="body"/>
+          </p:nvPr>
+        </p:nvSpPr>
+        <p:spPr>
+          <a:xfrm>
+            <a:off x="5152680" y="1326600"/>
+            <a:ext cx="4426920" cy="1568520"/>
+          </a:xfrm>
+          <a:prstGeom prst="rect">
+            <a:avLst/>
+          </a:prstGeom>
+        </p:spPr>
+        <p:txBody>
+          <a:bodyPr lIns="0" rIns="0" tIns="0" bIns="0">
+            <a:normAutofit/>
+          </a:bodyPr>
+          <a:p>
+            <a:endParaRPr b="0" lang="en-US" sz="3200" spc="-1" strike="noStrike">
+              <a:latin typeface="Arial"/>
+            </a:endParaRPr>
+          </a:p>
+        </p:txBody>
+      </p:sp>
+      <p:sp>
+        <p:nvSpPr>
+          <p:cNvPr id="101" name="PlaceHolder 4"/>
+          <p:cNvSpPr>
+            <a:spLocks noGrp="1"/>
+          </p:cNvSpPr>
+          <p:nvPr>
+            <p:ph type="body"/>
+          </p:nvPr>
+        </p:nvSpPr>
+        <p:spPr>
+          <a:xfrm>
+            <a:off x="504000" y="3044520"/>
+            <a:ext cx="9072000" cy="1568520"/>
+          </a:xfrm>
+          <a:prstGeom prst="rect">
+            <a:avLst/>
+          </a:prstGeom>
+        </p:spPr>
+        <p:txBody>
+          <a:bodyPr lIns="0" rIns="0" tIns="0" bIns="0">
+            <a:normAutofit/>
+          </a:bodyPr>
+          <a:p>
+            <a:endParaRPr b="0" lang="en-US" sz="3200" spc="-1" strike="noStrike">
+              <a:latin typeface="Arial"/>
+            </a:endParaRPr>
+          </a:p>
+        </p:txBody>
+      </p:sp>
+    </p:spTree>
+  </p:cSld>
+</p:sldLayout>
+</file>
+
+<file path=ppt/slideLayouts/slideLayout34.xml><?xml version="1.0" encoding="utf-8"?>
+<p:sldLayout xmlns:a="http://schemas.openxmlformats.org/drawingml/2006/main" xmlns:p="http://schemas.openxmlformats.org/presentationml/2006/main" xmlns:r="http://schemas.openxmlformats.org/officeDocument/2006/relationships" xmlns:p14="http://schemas.microsoft.com/office/powerpoint/2010/main" xmlns:p15="http://schemas.microsoft.com/office/powerpoint/2012/main" xmlns:mc="http://schemas.openxmlformats.org/markup-compatibility/2006" type="objOverTx" preserve="1">
+  <p:cSld name="Title, Content over Content">
+    <p:spTree>
+      <p:nvGrpSpPr>
+        <p:cNvPr id="1" name=""/>
+        <p:cNvGrpSpPr/>
+        <p:nvPr/>
+      </p:nvGrpSpPr>
+      <p:grpSpPr>
+        <a:xfrm>
+          <a:off x="0" y="0"/>
+          <a:ext cx="0" cy="0"/>
+          <a:chOff x="0" y="0"/>
+          <a:chExt cx="0" cy="0"/>
+        </a:xfrm>
+      </p:grpSpPr>
+      <p:sp>
+        <p:nvSpPr>
+          <p:cNvPr id="102" name="PlaceHolder 1"/>
+          <p:cNvSpPr>
+            <a:spLocks noGrp="1"/>
+          </p:cNvSpPr>
+          <p:nvPr>
+            <p:ph type="title"/>
+          </p:nvPr>
+        </p:nvSpPr>
+        <p:spPr>
+          <a:xfrm>
+            <a:off x="504000" y="226080"/>
+            <a:ext cx="9072000" cy="946440"/>
+          </a:xfrm>
+          <a:prstGeom prst="rect">
+            <a:avLst/>
+          </a:prstGeom>
+        </p:spPr>
+        <p:txBody>
+          <a:bodyPr lIns="0" rIns="0" tIns="0" bIns="0" anchor="ctr"/>
+          <a:p>
+            <a:pPr algn="ctr"/>
+            <a:endParaRPr b="0" lang="en-US" sz="4400" spc="-1" strike="noStrike">
+              <a:latin typeface="Arial"/>
+            </a:endParaRPr>
+          </a:p>
+        </p:txBody>
+      </p:sp>
+      <p:sp>
+        <p:nvSpPr>
+          <p:cNvPr id="103" name="PlaceHolder 2"/>
+          <p:cNvSpPr>
+            <a:spLocks noGrp="1"/>
+          </p:cNvSpPr>
+          <p:nvPr>
+            <p:ph type="body"/>
+          </p:nvPr>
+        </p:nvSpPr>
+        <p:spPr>
+          <a:xfrm>
+            <a:off x="504000" y="1326600"/>
+            <a:ext cx="9072000" cy="1568520"/>
+          </a:xfrm>
+          <a:prstGeom prst="rect">
+            <a:avLst/>
+          </a:prstGeom>
+        </p:spPr>
+        <p:txBody>
+          <a:bodyPr lIns="0" rIns="0" tIns="0" bIns="0">
+            <a:normAutofit/>
+          </a:bodyPr>
+          <a:p>
+            <a:endParaRPr b="0" lang="en-US" sz="3200" spc="-1" strike="noStrike">
+              <a:latin typeface="Arial"/>
+            </a:endParaRPr>
+          </a:p>
+        </p:txBody>
+      </p:sp>
+      <p:sp>
+        <p:nvSpPr>
+          <p:cNvPr id="104" name="PlaceHolder 3"/>
+          <p:cNvSpPr>
+            <a:spLocks noGrp="1"/>
+          </p:cNvSpPr>
+          <p:nvPr>
+            <p:ph type="body"/>
+          </p:nvPr>
+        </p:nvSpPr>
+        <p:spPr>
+          <a:xfrm>
+            <a:off x="504000" y="3044520"/>
+            <a:ext cx="9072000" cy="1568520"/>
+          </a:xfrm>
+          <a:prstGeom prst="rect">
+            <a:avLst/>
+          </a:prstGeom>
+        </p:spPr>
+        <p:txBody>
+          <a:bodyPr lIns="0" rIns="0" tIns="0" bIns="0">
+            <a:normAutofit/>
+          </a:bodyPr>
+          <a:p>
+            <a:endParaRPr b="0" lang="en-US" sz="3200" spc="-1" strike="noStrike">
+              <a:latin typeface="Arial"/>
+            </a:endParaRPr>
+          </a:p>
+        </p:txBody>
+      </p:sp>
+    </p:spTree>
+  </p:cSld>
+</p:sldLayout>
+</file>
+
+<file path=ppt/slideLayouts/slideLayout35.xml><?xml version="1.0" encoding="utf-8"?>
+<p:sldLayout xmlns:a="http://schemas.openxmlformats.org/drawingml/2006/main" xmlns:p="http://schemas.openxmlformats.org/presentationml/2006/main" xmlns:r="http://schemas.openxmlformats.org/officeDocument/2006/relationships" xmlns:p14="http://schemas.microsoft.com/office/powerpoint/2010/main" xmlns:p15="http://schemas.microsoft.com/office/powerpoint/2012/main" xmlns:mc="http://schemas.openxmlformats.org/markup-compatibility/2006" type="fourObj" preserve="1">
+  <p:cSld name="Title, 4 Content">
+    <p:spTree>
+      <p:nvGrpSpPr>
+        <p:cNvPr id="1" name=""/>
+        <p:cNvGrpSpPr/>
+        <p:nvPr/>
+      </p:nvGrpSpPr>
+      <p:grpSpPr>
+        <a:xfrm>
+          <a:off x="0" y="0"/>
+          <a:ext cx="0" cy="0"/>
+          <a:chOff x="0" y="0"/>
+          <a:chExt cx="0" cy="0"/>
+        </a:xfrm>
+      </p:grpSpPr>
+      <p:sp>
+        <p:nvSpPr>
+          <p:cNvPr id="105" name="PlaceHolder 1"/>
+          <p:cNvSpPr>
+            <a:spLocks noGrp="1"/>
+          </p:cNvSpPr>
+          <p:nvPr>
+            <p:ph type="title"/>
+          </p:nvPr>
+        </p:nvSpPr>
+        <p:spPr>
+          <a:xfrm>
+            <a:off x="504000" y="226080"/>
+            <a:ext cx="9072000" cy="946440"/>
+          </a:xfrm>
+          <a:prstGeom prst="rect">
+            <a:avLst/>
+          </a:prstGeom>
+        </p:spPr>
+        <p:txBody>
+          <a:bodyPr lIns="0" rIns="0" tIns="0" bIns="0" anchor="ctr"/>
+          <a:p>
+            <a:pPr algn="ctr"/>
+            <a:endParaRPr b="0" lang="en-US" sz="4400" spc="-1" strike="noStrike">
+              <a:latin typeface="Arial"/>
+            </a:endParaRPr>
+          </a:p>
+        </p:txBody>
+      </p:sp>
+      <p:sp>
+        <p:nvSpPr>
+          <p:cNvPr id="106" name="PlaceHolder 2"/>
+          <p:cNvSpPr>
+            <a:spLocks noGrp="1"/>
+          </p:cNvSpPr>
+          <p:nvPr>
+            <p:ph type="body"/>
+          </p:nvPr>
+        </p:nvSpPr>
+        <p:spPr>
+          <a:xfrm>
+            <a:off x="504000" y="1326600"/>
+            <a:ext cx="4426920" cy="1568520"/>
+          </a:xfrm>
+          <a:prstGeom prst="rect">
+            <a:avLst/>
+          </a:prstGeom>
+        </p:spPr>
+        <p:txBody>
+          <a:bodyPr lIns="0" rIns="0" tIns="0" bIns="0">
+            <a:normAutofit/>
+          </a:bodyPr>
+          <a:p>
+            <a:endParaRPr b="0" lang="en-US" sz="3200" spc="-1" strike="noStrike">
+              <a:latin typeface="Arial"/>
+            </a:endParaRPr>
+          </a:p>
+        </p:txBody>
+      </p:sp>
+      <p:sp>
+        <p:nvSpPr>
+          <p:cNvPr id="107" name="PlaceHolder 3"/>
+          <p:cNvSpPr>
+            <a:spLocks noGrp="1"/>
+          </p:cNvSpPr>
+          <p:nvPr>
+            <p:ph type="body"/>
+          </p:nvPr>
+        </p:nvSpPr>
+        <p:spPr>
+          <a:xfrm>
+            <a:off x="5152680" y="1326600"/>
+            <a:ext cx="4426920" cy="1568520"/>
+          </a:xfrm>
+          <a:prstGeom prst="rect">
+            <a:avLst/>
+          </a:prstGeom>
+        </p:spPr>
+        <p:txBody>
+          <a:bodyPr lIns="0" rIns="0" tIns="0" bIns="0">
+            <a:normAutofit/>
+          </a:bodyPr>
+          <a:p>
+            <a:endParaRPr b="0" lang="en-US" sz="3200" spc="-1" strike="noStrike">
+              <a:latin typeface="Arial"/>
+            </a:endParaRPr>
+          </a:p>
+        </p:txBody>
+      </p:sp>
+      <p:sp>
+        <p:nvSpPr>
+          <p:cNvPr id="108" name="PlaceHolder 4"/>
+          <p:cNvSpPr>
+            <a:spLocks noGrp="1"/>
+          </p:cNvSpPr>
+          <p:nvPr>
+            <p:ph type="body"/>
+          </p:nvPr>
+        </p:nvSpPr>
+        <p:spPr>
+          <a:xfrm>
+            <a:off x="504000" y="3044520"/>
+            <a:ext cx="4426920" cy="1568520"/>
+          </a:xfrm>
+          <a:prstGeom prst="rect">
+            <a:avLst/>
+          </a:prstGeom>
+        </p:spPr>
+        <p:txBody>
+          <a:bodyPr lIns="0" rIns="0" tIns="0" bIns="0">
+            <a:normAutofit/>
+          </a:bodyPr>
+          <a:p>
+            <a:endParaRPr b="0" lang="en-US" sz="3200" spc="-1" strike="noStrike">
+              <a:latin typeface="Arial"/>
+            </a:endParaRPr>
+          </a:p>
+        </p:txBody>
+      </p:sp>
+      <p:sp>
+        <p:nvSpPr>
+          <p:cNvPr id="109" name="PlaceHolder 5"/>
+          <p:cNvSpPr>
+            <a:spLocks noGrp="1"/>
+          </p:cNvSpPr>
+          <p:nvPr>
+            <p:ph type="body"/>
+          </p:nvPr>
+        </p:nvSpPr>
+        <p:spPr>
+          <a:xfrm>
+            <a:off x="5152680" y="3044520"/>
+            <a:ext cx="4426920" cy="1568520"/>
+          </a:xfrm>
+          <a:prstGeom prst="rect">
+            <a:avLst/>
+          </a:prstGeom>
+        </p:spPr>
+        <p:txBody>
+          <a:bodyPr lIns="0" rIns="0" tIns="0" bIns="0">
+            <a:normAutofit/>
+          </a:bodyPr>
+          <a:p>
+            <a:endParaRPr b="0" lang="en-US" sz="3200" spc="-1" strike="noStrike">
+              <a:latin typeface="Arial"/>
+            </a:endParaRPr>
+          </a:p>
+        </p:txBody>
+      </p:sp>
+    </p:spTree>
+  </p:cSld>
+</p:sldLayout>
+</file>
+
+<file path=ppt/slideLayouts/slideLayout36.xml><?xml version="1.0" encoding="utf-8"?>
+<p:sldLayout xmlns:a="http://schemas.openxmlformats.org/drawingml/2006/main" xmlns:p="http://schemas.openxmlformats.org/presentationml/2006/main" xmlns:r="http://schemas.openxmlformats.org/officeDocument/2006/relationships" xmlns:p14="http://schemas.microsoft.com/office/powerpoint/2010/main" xmlns:p15="http://schemas.microsoft.com/office/powerpoint/2012/main" xmlns:mc="http://schemas.openxmlformats.org/markup-compatibility/2006" type="blank" preserve="1">
+  <p:cSld name="Title, 6 Content">
+    <p:spTree>
+      <p:nvGrpSpPr>
+        <p:cNvPr id="1" name=""/>
+        <p:cNvGrpSpPr/>
+        <p:nvPr/>
+      </p:nvGrpSpPr>
+      <p:grpSpPr>
+        <a:xfrm>
+          <a:off x="0" y="0"/>
+          <a:ext cx="0" cy="0"/>
+          <a:chOff x="0" y="0"/>
+          <a:chExt cx="0" cy="0"/>
+        </a:xfrm>
+      </p:grpSpPr>
+      <p:sp>
+        <p:nvSpPr>
+          <p:cNvPr id="110" name="PlaceHolder 1"/>
+          <p:cNvSpPr>
+            <a:spLocks noGrp="1"/>
+          </p:cNvSpPr>
+          <p:nvPr>
+            <p:ph type="title"/>
+          </p:nvPr>
+        </p:nvSpPr>
+        <p:spPr>
+          <a:xfrm>
+            <a:off x="504000" y="226080"/>
+            <a:ext cx="9072000" cy="946440"/>
+          </a:xfrm>
+          <a:prstGeom prst="rect">
+            <a:avLst/>
+          </a:prstGeom>
+        </p:spPr>
+        <p:txBody>
+          <a:bodyPr lIns="0" rIns="0" tIns="0" bIns="0" anchor="ctr"/>
+          <a:p>
+            <a:pPr algn="ctr"/>
+            <a:endParaRPr b="0" lang="en-US" sz="4400" spc="-1" strike="noStrike">
+              <a:latin typeface="Arial"/>
+            </a:endParaRPr>
+          </a:p>
+        </p:txBody>
+      </p:sp>
+      <p:sp>
+        <p:nvSpPr>
+          <p:cNvPr id="111" name="PlaceHolder 2"/>
+          <p:cNvSpPr>
+            <a:spLocks noGrp="1"/>
+          </p:cNvSpPr>
+          <p:nvPr>
+            <p:ph type="body"/>
+          </p:nvPr>
+        </p:nvSpPr>
+        <p:spPr>
+          <a:xfrm>
+            <a:off x="504000" y="1326600"/>
+            <a:ext cx="2921040" cy="1568520"/>
+          </a:xfrm>
+          <a:prstGeom prst="rect">
+            <a:avLst/>
+          </a:prstGeom>
+        </p:spPr>
+        <p:txBody>
+          <a:bodyPr lIns="0" rIns="0" tIns="0" bIns="0">
+            <a:normAutofit/>
+          </a:bodyPr>
+          <a:p>
+            <a:endParaRPr b="0" lang="en-US" sz="3200" spc="-1" strike="noStrike">
+              <a:latin typeface="Arial"/>
+            </a:endParaRPr>
+          </a:p>
+        </p:txBody>
+      </p:sp>
+      <p:sp>
+        <p:nvSpPr>
+          <p:cNvPr id="112" name="PlaceHolder 3"/>
+          <p:cNvSpPr>
+            <a:spLocks noGrp="1"/>
+          </p:cNvSpPr>
+          <p:nvPr>
+            <p:ph type="body"/>
+          </p:nvPr>
+        </p:nvSpPr>
+        <p:spPr>
+          <a:xfrm>
+            <a:off x="3571560" y="1326600"/>
+            <a:ext cx="2921040" cy="1568520"/>
+          </a:xfrm>
+          <a:prstGeom prst="rect">
+            <a:avLst/>
+          </a:prstGeom>
+        </p:spPr>
+        <p:txBody>
+          <a:bodyPr lIns="0" rIns="0" tIns="0" bIns="0">
+            <a:normAutofit/>
+          </a:bodyPr>
+          <a:p>
+            <a:endParaRPr b="0" lang="en-US" sz="3200" spc="-1" strike="noStrike">
+              <a:latin typeface="Arial"/>
+            </a:endParaRPr>
+          </a:p>
+        </p:txBody>
+      </p:sp>
+      <p:sp>
+        <p:nvSpPr>
+          <p:cNvPr id="113" name="PlaceHolder 4"/>
+          <p:cNvSpPr>
+            <a:spLocks noGrp="1"/>
+          </p:cNvSpPr>
+          <p:nvPr>
+            <p:ph type="body"/>
+          </p:nvPr>
+        </p:nvSpPr>
+        <p:spPr>
+          <a:xfrm>
+            <a:off x="6639120" y="1326600"/>
+            <a:ext cx="2921040" cy="1568520"/>
+          </a:xfrm>
+          <a:prstGeom prst="rect">
+            <a:avLst/>
+          </a:prstGeom>
+        </p:spPr>
+        <p:txBody>
+          <a:bodyPr lIns="0" rIns="0" tIns="0" bIns="0">
+            <a:normAutofit/>
+          </a:bodyPr>
+          <a:p>
+            <a:endParaRPr b="0" lang="en-US" sz="3200" spc="-1" strike="noStrike">
+              <a:latin typeface="Arial"/>
+            </a:endParaRPr>
+          </a:p>
+        </p:txBody>
+      </p:sp>
+      <p:sp>
+        <p:nvSpPr>
+          <p:cNvPr id="114" name="PlaceHolder 5"/>
+          <p:cNvSpPr>
+            <a:spLocks noGrp="1"/>
+          </p:cNvSpPr>
+          <p:nvPr>
+            <p:ph type="body"/>
+          </p:nvPr>
+        </p:nvSpPr>
+        <p:spPr>
+          <a:xfrm>
+            <a:off x="504000" y="3044520"/>
+            <a:ext cx="2921040" cy="1568520"/>
+          </a:xfrm>
+          <a:prstGeom prst="rect">
+            <a:avLst/>
+          </a:prstGeom>
+        </p:spPr>
+        <p:txBody>
+          <a:bodyPr lIns="0" rIns="0" tIns="0" bIns="0">
+            <a:normAutofit/>
+          </a:bodyPr>
+          <a:p>
+            <a:endParaRPr b="0" lang="en-US" sz="3200" spc="-1" strike="noStrike">
+              <a:latin typeface="Arial"/>
+            </a:endParaRPr>
+          </a:p>
+        </p:txBody>
+      </p:sp>
+      <p:sp>
+        <p:nvSpPr>
+          <p:cNvPr id="115" name="PlaceHolder 6"/>
+          <p:cNvSpPr>
+            <a:spLocks noGrp="1"/>
+          </p:cNvSpPr>
+          <p:nvPr>
+            <p:ph type="body"/>
+          </p:nvPr>
+        </p:nvSpPr>
+        <p:spPr>
+          <a:xfrm>
+            <a:off x="3571560" y="3044520"/>
+            <a:ext cx="2921040" cy="1568520"/>
+          </a:xfrm>
+          <a:prstGeom prst="rect">
+            <a:avLst/>
+          </a:prstGeom>
+        </p:spPr>
+        <p:txBody>
+          <a:bodyPr lIns="0" rIns="0" tIns="0" bIns="0">
+            <a:normAutofit/>
+          </a:bodyPr>
+          <a:p>
+            <a:endParaRPr b="0" lang="en-US" sz="3200" spc="-1" strike="noStrike">
+              <a:latin typeface="Arial"/>
+            </a:endParaRPr>
+          </a:p>
+        </p:txBody>
+      </p:sp>
+      <p:sp>
+        <p:nvSpPr>
+          <p:cNvPr id="116" name="PlaceHolder 7"/>
+          <p:cNvSpPr>
+            <a:spLocks noGrp="1"/>
+          </p:cNvSpPr>
+          <p:nvPr>
+            <p:ph type="body"/>
+          </p:nvPr>
+        </p:nvSpPr>
+        <p:spPr>
+          <a:xfrm>
+            <a:off x="6639120" y="3044520"/>
+            <a:ext cx="2921040" cy="1568520"/>
           </a:xfrm>
           <a:prstGeom prst="rect">
             <a:avLst/>
@@ -2075,7 +3409,7 @@
         <p:spPr>
           <a:xfrm>
             <a:off x="504000" y="226080"/>
-            <a:ext cx="9071280" cy="946080"/>
+            <a:ext cx="9072000" cy="946440"/>
           </a:xfrm>
           <a:prstGeom prst="rect">
             <a:avLst/>
@@ -2104,7 +3438,7 @@
         <p:spPr>
           <a:xfrm>
             <a:off x="504000" y="1326600"/>
-            <a:ext cx="4426560" cy="3287880"/>
+            <a:ext cx="4426920" cy="3288600"/>
           </a:xfrm>
           <a:prstGeom prst="rect">
             <a:avLst/>
@@ -2133,8 +3467,8 @@
         </p:nvSpPr>
         <p:spPr>
           <a:xfrm>
-            <a:off x="5152320" y="1326600"/>
-            <a:ext cx="4426560" cy="3287880"/>
+            <a:off x="5152680" y="1326600"/>
+            <a:ext cx="4426920" cy="3288600"/>
           </a:xfrm>
           <a:prstGeom prst="rect">
             <a:avLst/>
@@ -2186,7 +3520,7 @@
         <p:spPr>
           <a:xfrm>
             <a:off x="504000" y="226080"/>
-            <a:ext cx="9071280" cy="946080"/>
+            <a:ext cx="9072000" cy="946440"/>
           </a:xfrm>
           <a:prstGeom prst="rect">
             <a:avLst/>
@@ -2237,7 +3571,7 @@
         <p:spPr>
           <a:xfrm>
             <a:off x="504000" y="226080"/>
-            <a:ext cx="9071280" cy="4386600"/>
+            <a:ext cx="9072000" cy="4388400"/>
           </a:xfrm>
           <a:prstGeom prst="rect">
             <a:avLst/>
@@ -2288,7 +3622,7 @@
         <p:spPr>
           <a:xfrm>
             <a:off x="504000" y="226080"/>
-            <a:ext cx="9071280" cy="946080"/>
+            <a:ext cx="9072000" cy="946440"/>
           </a:xfrm>
           <a:prstGeom prst="rect">
             <a:avLst/>
@@ -2317,7 +3651,7 @@
         <p:spPr>
           <a:xfrm>
             <a:off x="504000" y="1326600"/>
-            <a:ext cx="4426560" cy="1568160"/>
+            <a:ext cx="4426920" cy="1568520"/>
           </a:xfrm>
           <a:prstGeom prst="rect">
             <a:avLst/>
@@ -2346,8 +3680,8 @@
         </p:nvSpPr>
         <p:spPr>
           <a:xfrm>
-            <a:off x="5152320" y="1326600"/>
-            <a:ext cx="4426560" cy="3287880"/>
+            <a:off x="5152680" y="1326600"/>
+            <a:ext cx="4426920" cy="3288600"/>
           </a:xfrm>
           <a:prstGeom prst="rect">
             <a:avLst/>
@@ -2376,8 +3710,8 @@
         </p:nvSpPr>
         <p:spPr>
           <a:xfrm>
-            <a:off x="504000" y="3044160"/>
-            <a:ext cx="4426560" cy="1568160"/>
+            <a:off x="504000" y="3044520"/>
+            <a:ext cx="4426920" cy="1568520"/>
           </a:xfrm>
           <a:prstGeom prst="rect">
             <a:avLst/>
@@ -2429,7 +3763,7 @@
         <p:spPr>
           <a:xfrm>
             <a:off x="504000" y="226080"/>
-            <a:ext cx="9071280" cy="946080"/>
+            <a:ext cx="9072000" cy="946440"/>
           </a:xfrm>
           <a:prstGeom prst="rect">
             <a:avLst/>
@@ -2458,7 +3792,7 @@
         <p:spPr>
           <a:xfrm>
             <a:off x="504000" y="1326600"/>
-            <a:ext cx="4426560" cy="3287880"/>
+            <a:ext cx="4426920" cy="3288600"/>
           </a:xfrm>
           <a:prstGeom prst="rect">
             <a:avLst/>
@@ -2487,8 +3821,8 @@
         </p:nvSpPr>
         <p:spPr>
           <a:xfrm>
-            <a:off x="5152320" y="1326600"/>
-            <a:ext cx="4426560" cy="1568160"/>
+            <a:off x="5152680" y="1326600"/>
+            <a:ext cx="4426920" cy="1568520"/>
           </a:xfrm>
           <a:prstGeom prst="rect">
             <a:avLst/>
@@ -2517,8 +3851,8 @@
         </p:nvSpPr>
         <p:spPr>
           <a:xfrm>
-            <a:off x="5152320" y="3044160"/>
-            <a:ext cx="4426560" cy="1568160"/>
+            <a:off x="5152680" y="3044520"/>
+            <a:ext cx="4426920" cy="1568520"/>
           </a:xfrm>
           <a:prstGeom prst="rect">
             <a:avLst/>
@@ -2570,7 +3904,7 @@
         <p:spPr>
           <a:xfrm>
             <a:off x="504000" y="226080"/>
-            <a:ext cx="9071280" cy="946080"/>
+            <a:ext cx="9072000" cy="946440"/>
           </a:xfrm>
           <a:prstGeom prst="rect">
             <a:avLst/>
@@ -2599,7 +3933,7 @@
         <p:spPr>
           <a:xfrm>
             <a:off x="504000" y="1326600"/>
-            <a:ext cx="4426560" cy="1568160"/>
+            <a:ext cx="4426920" cy="1568520"/>
           </a:xfrm>
           <a:prstGeom prst="rect">
             <a:avLst/>
@@ -2628,8 +3962,8 @@
         </p:nvSpPr>
         <p:spPr>
           <a:xfrm>
-            <a:off x="5152320" y="1326600"/>
-            <a:ext cx="4426560" cy="1568160"/>
+            <a:off x="5152680" y="1326600"/>
+            <a:ext cx="4426920" cy="1568520"/>
           </a:xfrm>
           <a:prstGeom prst="rect">
             <a:avLst/>
@@ -2658,8 +3992,8 @@
         </p:nvSpPr>
         <p:spPr>
           <a:xfrm>
-            <a:off x="504000" y="3044160"/>
-            <a:ext cx="9071280" cy="1568160"/>
+            <a:off x="504000" y="3044520"/>
+            <a:ext cx="9072000" cy="1568520"/>
           </a:xfrm>
           <a:prstGeom prst="rect">
             <a:avLst/>
@@ -2711,7 +4045,7 @@
         <p:spPr>
           <a:xfrm>
             <a:off x="504000" y="226080"/>
-            <a:ext cx="9071280" cy="946080"/>
+            <a:ext cx="9070920" cy="945720"/>
           </a:xfrm>
           <a:prstGeom prst="rect">
             <a:avLst/>
@@ -2745,7 +4079,7 @@
         <p:spPr>
           <a:xfrm>
             <a:off x="504000" y="1326600"/>
-            <a:ext cx="9072000" cy="3288600"/>
+            <a:ext cx="9070920" cy="3287520"/>
           </a:xfrm>
           <a:prstGeom prst="rect">
             <a:avLst/>
@@ -2768,12 +4102,12 @@
               <a:buChar char=""/>
             </a:pPr>
             <a:r>
-              <a:rPr b="0" lang="en-US" sz="3200" spc="-1" strike="noStrike">
+              <a:rPr b="0" lang="en-US" sz="1800" spc="-1" strike="noStrike">
                 <a:latin typeface="Arial"/>
               </a:rPr>
               <a:t>Click to edit the outline text format</a:t>
             </a:r>
-            <a:endParaRPr b="0" lang="en-US" sz="3200" spc="-1" strike="noStrike">
+            <a:endParaRPr b="0" lang="en-US" sz="1800" spc="-1" strike="noStrike">
               <a:latin typeface="Arial"/>
             </a:endParaRPr>
           </a:p>
@@ -2790,12 +4124,12 @@
               <a:buChar char=""/>
             </a:pPr>
             <a:r>
-              <a:rPr b="0" lang="en-US" sz="2800" spc="-1" strike="noStrike">
+              <a:rPr b="0" lang="en-US" sz="1800" spc="-1" strike="noStrike">
                 <a:latin typeface="Arial"/>
               </a:rPr>
               <a:t>Second Outline Level</a:t>
             </a:r>
-            <a:endParaRPr b="0" lang="en-US" sz="2800" spc="-1" strike="noStrike">
+            <a:endParaRPr b="0" lang="en-US" sz="1800" spc="-1" strike="noStrike">
               <a:latin typeface="Arial"/>
             </a:endParaRPr>
           </a:p>
@@ -2812,12 +4146,12 @@
               <a:buChar char=""/>
             </a:pPr>
             <a:r>
-              <a:rPr b="0" lang="en-US" sz="2400" spc="-1" strike="noStrike">
+              <a:rPr b="0" lang="en-US" sz="1800" spc="-1" strike="noStrike">
                 <a:latin typeface="Arial"/>
               </a:rPr>
               <a:t>Third Outline Level</a:t>
             </a:r>
-            <a:endParaRPr b="0" lang="en-US" sz="2400" spc="-1" strike="noStrike">
+            <a:endParaRPr b="0" lang="en-US" sz="1800" spc="-1" strike="noStrike">
               <a:latin typeface="Arial"/>
             </a:endParaRPr>
           </a:p>
@@ -2834,12 +4168,12 @@
               <a:buChar char=""/>
             </a:pPr>
             <a:r>
-              <a:rPr b="0" lang="en-US" sz="2000" spc="-1" strike="noStrike">
+              <a:rPr b="0" lang="en-US" sz="1800" spc="-1" strike="noStrike">
                 <a:latin typeface="Arial"/>
               </a:rPr>
               <a:t>Fourth Outline Level</a:t>
             </a:r>
-            <a:endParaRPr b="0" lang="en-US" sz="2000" spc="-1" strike="noStrike">
+            <a:endParaRPr b="0" lang="en-US" sz="1800" spc="-1" strike="noStrike">
               <a:latin typeface="Arial"/>
             </a:endParaRPr>
           </a:p>
@@ -2856,12 +4190,12 @@
               <a:buChar char=""/>
             </a:pPr>
             <a:r>
-              <a:rPr b="0" lang="en-US" sz="2000" spc="-1" strike="noStrike">
+              <a:rPr b="0" lang="en-US" sz="1800" spc="-1" strike="noStrike">
                 <a:latin typeface="Arial"/>
               </a:rPr>
               <a:t>Fifth Outline Level</a:t>
             </a:r>
-            <a:endParaRPr b="0" lang="en-US" sz="2000" spc="-1" strike="noStrike">
+            <a:endParaRPr b="0" lang="en-US" sz="1800" spc="-1" strike="noStrike">
               <a:latin typeface="Arial"/>
             </a:endParaRPr>
           </a:p>
@@ -2878,12 +4212,12 @@
               <a:buChar char=""/>
             </a:pPr>
             <a:r>
-              <a:rPr b="0" lang="en-US" sz="2000" spc="-1" strike="noStrike">
+              <a:rPr b="0" lang="en-US" sz="1800" spc="-1" strike="noStrike">
                 <a:latin typeface="Arial"/>
               </a:rPr>
               <a:t>Sixth Outline Level</a:t>
             </a:r>
-            <a:endParaRPr b="0" lang="en-US" sz="2000" spc="-1" strike="noStrike">
+            <a:endParaRPr b="0" lang="en-US" sz="1800" spc="-1" strike="noStrike">
               <a:latin typeface="Arial"/>
             </a:endParaRPr>
           </a:p>
@@ -2900,12 +4234,12 @@
               <a:buChar char=""/>
             </a:pPr>
             <a:r>
-              <a:rPr b="0" lang="en-US" sz="2000" spc="-1" strike="noStrike">
+              <a:rPr b="0" lang="en-US" sz="1800" spc="-1" strike="noStrike">
                 <a:latin typeface="Arial"/>
               </a:rPr>
               <a:t>Seventh Outline Level</a:t>
             </a:r>
-            <a:endParaRPr b="0" lang="en-US" sz="2000" spc="-1" strike="noStrike">
+            <a:endParaRPr b="0" lang="en-US" sz="1800" spc="-1" strike="noStrike">
               <a:latin typeface="Arial"/>
             </a:endParaRPr>
           </a:p>
@@ -2961,7 +4295,7 @@
         <p:spPr>
           <a:xfrm>
             <a:off x="504000" y="226080"/>
-            <a:ext cx="9071280" cy="946080"/>
+            <a:ext cx="9072000" cy="946440"/>
           </a:xfrm>
           <a:prstGeom prst="rect">
             <a:avLst/>
@@ -2970,13 +4304,14 @@
         <p:txBody>
           <a:bodyPr lIns="0" rIns="0" tIns="0" bIns="0" anchor="ctr"/>
           <a:p>
+            <a:pPr algn="ctr"/>
             <a:r>
-              <a:rPr b="0" lang="en-US" sz="1800" spc="-1" strike="noStrike">
+              <a:rPr b="0" lang="en-US" sz="4400" spc="-1" strike="noStrike">
                 <a:latin typeface="Arial"/>
               </a:rPr>
               <a:t>Click to edit the title text format</a:t>
             </a:r>
-            <a:endParaRPr b="0" lang="en-US" sz="1800" spc="-1" strike="noStrike">
+            <a:endParaRPr b="0" lang="en-US" sz="4400" spc="-1" strike="noStrike">
               <a:latin typeface="Arial"/>
             </a:endParaRPr>
           </a:p>
@@ -2995,7 +4330,7 @@
         <p:spPr>
           <a:xfrm>
             <a:off x="504000" y="1326600"/>
-            <a:ext cx="9071280" cy="3287880"/>
+            <a:ext cx="9072000" cy="3288600"/>
           </a:xfrm>
           <a:prstGeom prst="rect">
             <a:avLst/>
@@ -3018,12 +4353,12 @@
               <a:buChar char=""/>
             </a:pPr>
             <a:r>
-              <a:rPr b="0" lang="en-US" sz="1800" spc="-1" strike="noStrike">
+              <a:rPr b="0" lang="en-US" sz="3200" spc="-1" strike="noStrike">
                 <a:latin typeface="Arial"/>
               </a:rPr>
               <a:t>Click to edit the outline text format</a:t>
             </a:r>
-            <a:endParaRPr b="0" lang="en-US" sz="1800" spc="-1" strike="noStrike">
+            <a:endParaRPr b="0" lang="en-US" sz="3200" spc="-1" strike="noStrike">
               <a:latin typeface="Arial"/>
             </a:endParaRPr>
           </a:p>
@@ -3040,12 +4375,12 @@
               <a:buChar char=""/>
             </a:pPr>
             <a:r>
-              <a:rPr b="0" lang="en-US" sz="1800" spc="-1" strike="noStrike">
+              <a:rPr b="0" lang="en-US" sz="2800" spc="-1" strike="noStrike">
                 <a:latin typeface="Arial"/>
               </a:rPr>
               <a:t>Second Outline Level</a:t>
             </a:r>
-            <a:endParaRPr b="0" lang="en-US" sz="1800" spc="-1" strike="noStrike">
+            <a:endParaRPr b="0" lang="en-US" sz="2800" spc="-1" strike="noStrike">
               <a:latin typeface="Arial"/>
             </a:endParaRPr>
           </a:p>
@@ -3062,12 +4397,12 @@
               <a:buChar char=""/>
             </a:pPr>
             <a:r>
-              <a:rPr b="0" lang="en-US" sz="1800" spc="-1" strike="noStrike">
+              <a:rPr b="0" lang="en-US" sz="2400" spc="-1" strike="noStrike">
                 <a:latin typeface="Arial"/>
               </a:rPr>
               <a:t>Third Outline Level</a:t>
             </a:r>
-            <a:endParaRPr b="0" lang="en-US" sz="1800" spc="-1" strike="noStrike">
+            <a:endParaRPr b="0" lang="en-US" sz="2400" spc="-1" strike="noStrike">
               <a:latin typeface="Arial"/>
             </a:endParaRPr>
           </a:p>
@@ -3084,12 +4419,12 @@
               <a:buChar char=""/>
             </a:pPr>
             <a:r>
-              <a:rPr b="0" lang="en-US" sz="1800" spc="-1" strike="noStrike">
+              <a:rPr b="0" lang="en-US" sz="2000" spc="-1" strike="noStrike">
                 <a:latin typeface="Arial"/>
               </a:rPr>
               <a:t>Fourth Outline Level</a:t>
             </a:r>
-            <a:endParaRPr b="0" lang="en-US" sz="1800" spc="-1" strike="noStrike">
+            <a:endParaRPr b="0" lang="en-US" sz="2000" spc="-1" strike="noStrike">
               <a:latin typeface="Arial"/>
             </a:endParaRPr>
           </a:p>
@@ -3106,12 +4441,12 @@
               <a:buChar char=""/>
             </a:pPr>
             <a:r>
-              <a:rPr b="0" lang="en-US" sz="1800" spc="-1" strike="noStrike">
+              <a:rPr b="0" lang="en-US" sz="2000" spc="-1" strike="noStrike">
                 <a:latin typeface="Arial"/>
               </a:rPr>
               <a:t>Fifth Outline Level</a:t>
             </a:r>
-            <a:endParaRPr b="0" lang="en-US" sz="1800" spc="-1" strike="noStrike">
+            <a:endParaRPr b="0" lang="en-US" sz="2000" spc="-1" strike="noStrike">
               <a:latin typeface="Arial"/>
             </a:endParaRPr>
           </a:p>
@@ -3128,12 +4463,12 @@
               <a:buChar char=""/>
             </a:pPr>
             <a:r>
-              <a:rPr b="0" lang="en-US" sz="1800" spc="-1" strike="noStrike">
+              <a:rPr b="0" lang="en-US" sz="2000" spc="-1" strike="noStrike">
                 <a:latin typeface="Arial"/>
               </a:rPr>
               <a:t>Sixth Outline Level</a:t>
             </a:r>
-            <a:endParaRPr b="0" lang="en-US" sz="1800" spc="-1" strike="noStrike">
+            <a:endParaRPr b="0" lang="en-US" sz="2000" spc="-1" strike="noStrike">
               <a:latin typeface="Arial"/>
             </a:endParaRPr>
           </a:p>
@@ -3150,12 +4485,12 @@
               <a:buChar char=""/>
             </a:pPr>
             <a:r>
-              <a:rPr b="0" lang="en-US" sz="1800" spc="-1" strike="noStrike">
+              <a:rPr b="0" lang="en-US" sz="2000" spc="-1" strike="noStrike">
                 <a:latin typeface="Arial"/>
               </a:rPr>
               <a:t>Seventh Outline Level</a:t>
             </a:r>
-            <a:endParaRPr b="0" lang="en-US" sz="1800" spc="-1" strike="noStrike">
+            <a:endParaRPr b="0" lang="en-US" sz="2000" spc="-1" strike="noStrike">
               <a:latin typeface="Arial"/>
             </a:endParaRPr>
           </a:p>
@@ -3177,6 +4512,380 @@
     <p:sldLayoutId id="2147483671" r:id="rId11"/>
     <p:sldLayoutId id="2147483672" r:id="rId12"/>
     <p:sldLayoutId id="2147483673" r:id="rId13"/>
+  </p:sldLayoutIdLst>
+</p:sldMaster>
+</file>
+
+<file path=ppt/slideMasters/slideMaster3.xml><?xml version="1.0" encoding="utf-8"?>
+<p:sldMaster xmlns:a="http://schemas.openxmlformats.org/drawingml/2006/main" xmlns:p="http://schemas.openxmlformats.org/presentationml/2006/main" xmlns:r="http://schemas.openxmlformats.org/officeDocument/2006/relationships" xmlns:p14="http://schemas.microsoft.com/office/powerpoint/2010/main" xmlns:p15="http://schemas.microsoft.com/office/powerpoint/2012/main" xmlns:mc="http://schemas.openxmlformats.org/markup-compatibility/2006">
+  <p:cSld>
+    <p:bg>
+      <p:bgPr>
+        <a:solidFill>
+          <a:srgbClr val="ffffff"/>
+        </a:solidFill>
+      </p:bgPr>
+    </p:bg>
+    <p:spTree>
+      <p:nvGrpSpPr>
+        <p:cNvPr id="1" name=""/>
+        <p:cNvGrpSpPr/>
+        <p:nvPr/>
+      </p:nvGrpSpPr>
+      <p:grpSpPr>
+        <a:xfrm>
+          <a:off x="0" y="0"/>
+          <a:ext cx="0" cy="0"/>
+          <a:chOff x="0" y="0"/>
+          <a:chExt cx="0" cy="0"/>
+        </a:xfrm>
+      </p:grpSpPr>
+      <p:sp>
+        <p:nvSpPr>
+          <p:cNvPr id="76" name="PlaceHolder 1"/>
+          <p:cNvSpPr>
+            <a:spLocks noGrp="1"/>
+          </p:cNvSpPr>
+          <p:nvPr>
+            <p:ph type="title"/>
+          </p:nvPr>
+        </p:nvSpPr>
+        <p:spPr>
+          <a:xfrm>
+            <a:off x="504000" y="226800"/>
+            <a:ext cx="9072360" cy="945000"/>
+          </a:xfrm>
+          <a:prstGeom prst="rect">
+            <a:avLst/>
+          </a:prstGeom>
+        </p:spPr>
+        <p:txBody>
+          <a:bodyPr anchor="ctr"/>
+          <a:p>
+            <a:pPr algn="ctr">
+              <a:lnSpc>
+                <a:spcPct val="100000"/>
+              </a:lnSpc>
+            </a:pPr>
+            <a:r>
+              <a:rPr b="0" lang="en-US" sz="4400" spc="-1" strike="noStrike">
+                <a:solidFill>
+                  <a:srgbClr val="000000"/>
+                </a:solidFill>
+                <a:latin typeface="Calibri"/>
+              </a:rPr>
+              <a:t>Click to edit Master title style</a:t>
+            </a:r>
+            <a:endParaRPr b="0" lang="en-US" sz="4400" spc="-1" strike="noStrike">
+              <a:solidFill>
+                <a:srgbClr val="000000"/>
+              </a:solidFill>
+              <a:latin typeface="Calibri"/>
+            </a:endParaRPr>
+          </a:p>
+        </p:txBody>
+      </p:sp>
+      <p:sp>
+        <p:nvSpPr>
+          <p:cNvPr id="77" name="PlaceHolder 2"/>
+          <p:cNvSpPr>
+            <a:spLocks noGrp="1"/>
+          </p:cNvSpPr>
+          <p:nvPr>
+            <p:ph type="body"/>
+          </p:nvPr>
+        </p:nvSpPr>
+        <p:spPr>
+          <a:xfrm>
+            <a:off x="504000" y="1323000"/>
+            <a:ext cx="9072360" cy="3742200"/>
+          </a:xfrm>
+          <a:prstGeom prst="rect">
+            <a:avLst/>
+          </a:prstGeom>
+        </p:spPr>
+        <p:txBody>
+          <a:bodyPr/>
+          <a:p>
+            <a:pPr marL="343080" indent="-342720">
+              <a:lnSpc>
+                <a:spcPct val="100000"/>
+              </a:lnSpc>
+              <a:spcBef>
+                <a:spcPts val="641"/>
+              </a:spcBef>
+              <a:buClr>
+                <a:srgbClr val="000000"/>
+              </a:buClr>
+              <a:buFont typeface="Arial"/>
+              <a:buChar char="•"/>
+            </a:pPr>
+            <a:r>
+              <a:rPr b="0" lang="en-US" sz="3200" spc="-1" strike="noStrike">
+                <a:solidFill>
+                  <a:srgbClr val="000000"/>
+                </a:solidFill>
+                <a:latin typeface="Calibri"/>
+              </a:rPr>
+              <a:t>Click to edit Master text styles</a:t>
+            </a:r>
+            <a:endParaRPr b="0" lang="en-US" sz="3200" spc="-1" strike="noStrike">
+              <a:solidFill>
+                <a:srgbClr val="000000"/>
+              </a:solidFill>
+              <a:latin typeface="Calibri"/>
+            </a:endParaRPr>
+          </a:p>
+          <a:p>
+            <a:pPr lvl="1" marL="743040" indent="-285480">
+              <a:lnSpc>
+                <a:spcPct val="100000"/>
+              </a:lnSpc>
+              <a:spcBef>
+                <a:spcPts val="561"/>
+              </a:spcBef>
+              <a:buClr>
+                <a:srgbClr val="000000"/>
+              </a:buClr>
+              <a:buFont typeface="Arial"/>
+              <a:buChar char="–"/>
+            </a:pPr>
+            <a:r>
+              <a:rPr b="0" lang="en-US" sz="2800" spc="-1" strike="noStrike">
+                <a:solidFill>
+                  <a:srgbClr val="000000"/>
+                </a:solidFill>
+                <a:latin typeface="Calibri"/>
+              </a:rPr>
+              <a:t>Second level</a:t>
+            </a:r>
+            <a:endParaRPr b="0" lang="en-US" sz="2800" spc="-1" strike="noStrike">
+              <a:solidFill>
+                <a:srgbClr val="000000"/>
+              </a:solidFill>
+              <a:latin typeface="Calibri"/>
+            </a:endParaRPr>
+          </a:p>
+          <a:p>
+            <a:pPr lvl="2" marL="1143000" indent="-228240">
+              <a:lnSpc>
+                <a:spcPct val="100000"/>
+              </a:lnSpc>
+              <a:spcBef>
+                <a:spcPts val="479"/>
+              </a:spcBef>
+              <a:buClr>
+                <a:srgbClr val="000000"/>
+              </a:buClr>
+              <a:buFont typeface="Arial"/>
+              <a:buChar char="•"/>
+            </a:pPr>
+            <a:r>
+              <a:rPr b="0" lang="en-US" sz="2400" spc="-1" strike="noStrike">
+                <a:solidFill>
+                  <a:srgbClr val="000000"/>
+                </a:solidFill>
+                <a:latin typeface="Calibri"/>
+              </a:rPr>
+              <a:t>Third level</a:t>
+            </a:r>
+            <a:endParaRPr b="0" lang="en-US" sz="2400" spc="-1" strike="noStrike">
+              <a:solidFill>
+                <a:srgbClr val="000000"/>
+              </a:solidFill>
+              <a:latin typeface="Calibri"/>
+            </a:endParaRPr>
+          </a:p>
+          <a:p>
+            <a:pPr lvl="3" marL="1600200" indent="-228240">
+              <a:lnSpc>
+                <a:spcPct val="100000"/>
+              </a:lnSpc>
+              <a:spcBef>
+                <a:spcPts val="400"/>
+              </a:spcBef>
+              <a:buClr>
+                <a:srgbClr val="000000"/>
+              </a:buClr>
+              <a:buFont typeface="Arial"/>
+              <a:buChar char="–"/>
+            </a:pPr>
+            <a:r>
+              <a:rPr b="0" lang="en-US" sz="2000" spc="-1" strike="noStrike">
+                <a:solidFill>
+                  <a:srgbClr val="000000"/>
+                </a:solidFill>
+                <a:latin typeface="Calibri"/>
+              </a:rPr>
+              <a:t>Fourth level</a:t>
+            </a:r>
+            <a:endParaRPr b="0" lang="en-US" sz="2000" spc="-1" strike="noStrike">
+              <a:solidFill>
+                <a:srgbClr val="000000"/>
+              </a:solidFill>
+              <a:latin typeface="Calibri"/>
+            </a:endParaRPr>
+          </a:p>
+          <a:p>
+            <a:pPr lvl="4" marL="2057400" indent="-228240">
+              <a:lnSpc>
+                <a:spcPct val="100000"/>
+              </a:lnSpc>
+              <a:spcBef>
+                <a:spcPts val="400"/>
+              </a:spcBef>
+              <a:buClr>
+                <a:srgbClr val="000000"/>
+              </a:buClr>
+              <a:buFont typeface="Arial"/>
+              <a:buChar char="»"/>
+            </a:pPr>
+            <a:r>
+              <a:rPr b="0" lang="en-US" sz="2000" spc="-1" strike="noStrike">
+                <a:solidFill>
+                  <a:srgbClr val="000000"/>
+                </a:solidFill>
+                <a:latin typeface="Calibri"/>
+              </a:rPr>
+              <a:t>Fifth level</a:t>
+            </a:r>
+            <a:endParaRPr b="0" lang="en-US" sz="2000" spc="-1" strike="noStrike">
+              <a:solidFill>
+                <a:srgbClr val="000000"/>
+              </a:solidFill>
+              <a:latin typeface="Calibri"/>
+            </a:endParaRPr>
+          </a:p>
+        </p:txBody>
+      </p:sp>
+      <p:sp>
+        <p:nvSpPr>
+          <p:cNvPr id="78" name="PlaceHolder 3"/>
+          <p:cNvSpPr>
+            <a:spLocks noGrp="1"/>
+          </p:cNvSpPr>
+          <p:nvPr>
+            <p:ph type="dt"/>
+          </p:nvPr>
+        </p:nvSpPr>
+        <p:spPr>
+          <a:xfrm>
+            <a:off x="504000" y="5256000"/>
+            <a:ext cx="2351880" cy="301680"/>
+          </a:xfrm>
+          <a:prstGeom prst="rect">
+            <a:avLst/>
+          </a:prstGeom>
+        </p:spPr>
+        <p:txBody>
+          <a:bodyPr anchor="ctr"/>
+          <a:p>
+            <a:pPr>
+              <a:lnSpc>
+                <a:spcPct val="100000"/>
+              </a:lnSpc>
+            </a:pPr>
+            <a:fld id="{D391262E-E007-483C-BBCE-051F4165A7A7}" type="datetime">
+              <a:rPr b="0" lang="en-US" sz="1200" spc="-1" strike="noStrike">
+                <a:solidFill>
+                  <a:srgbClr val="8b8b8b"/>
+                </a:solidFill>
+                <a:latin typeface="Calibri"/>
+              </a:rPr>
+              <a:t>2/18/19</a:t>
+            </a:fld>
+            <a:endParaRPr b="0" lang="en-US" sz="1200" spc="-1" strike="noStrike">
+              <a:latin typeface="Times New Roman"/>
+            </a:endParaRPr>
+          </a:p>
+        </p:txBody>
+      </p:sp>
+      <p:sp>
+        <p:nvSpPr>
+          <p:cNvPr id="79" name="PlaceHolder 4"/>
+          <p:cNvSpPr>
+            <a:spLocks noGrp="1"/>
+          </p:cNvSpPr>
+          <p:nvPr>
+            <p:ph type="ftr"/>
+          </p:nvPr>
+        </p:nvSpPr>
+        <p:spPr>
+          <a:xfrm>
+            <a:off x="3443760" y="5256000"/>
+            <a:ext cx="3191760" cy="301680"/>
+          </a:xfrm>
+          <a:prstGeom prst="rect">
+            <a:avLst/>
+          </a:prstGeom>
+        </p:spPr>
+        <p:txBody>
+          <a:bodyPr anchor="ctr"/>
+          <a:p>
+            <a:endParaRPr b="0" lang="en-US" sz="2400" spc="-1" strike="noStrike">
+              <a:latin typeface="Times New Roman"/>
+            </a:endParaRPr>
+          </a:p>
+        </p:txBody>
+      </p:sp>
+      <p:sp>
+        <p:nvSpPr>
+          <p:cNvPr id="80" name="PlaceHolder 5"/>
+          <p:cNvSpPr>
+            <a:spLocks noGrp="1"/>
+          </p:cNvSpPr>
+          <p:nvPr>
+            <p:ph type="sldNum"/>
+          </p:nvPr>
+        </p:nvSpPr>
+        <p:spPr>
+          <a:xfrm>
+            <a:off x="7224120" y="5256000"/>
+            <a:ext cx="2351880" cy="301680"/>
+          </a:xfrm>
+          <a:prstGeom prst="rect">
+            <a:avLst/>
+          </a:prstGeom>
+        </p:spPr>
+        <p:txBody>
+          <a:bodyPr anchor="ctr"/>
+          <a:p>
+            <a:pPr algn="r">
+              <a:lnSpc>
+                <a:spcPct val="100000"/>
+              </a:lnSpc>
+            </a:pPr>
+            <a:fld id="{E156D2A6-012B-4BDC-817D-A4CE777005AE}" type="slidenum">
+              <a:rPr b="0" lang="en-US" sz="1200" spc="-1" strike="noStrike">
+                <a:solidFill>
+                  <a:srgbClr val="8b8b8b"/>
+                </a:solidFill>
+                <a:latin typeface="Calibri"/>
+              </a:rPr>
+              <a:t>1</a:t>
+            </a:fld>
+            <a:endParaRPr b="0" lang="en-US" sz="1200" spc="-1" strike="noStrike">
+              <a:latin typeface="Times New Roman"/>
+            </a:endParaRPr>
+          </a:p>
+        </p:txBody>
+      </p:sp>
+    </p:spTree>
+  </p:cSld>
+  <p:clrMap bg1="lt1" bg2="lt2" tx1="dk1" tx2="dk2" accent1="accent1" accent2="accent2" accent3="accent3" accent4="accent4" accent5="accent5" accent6="accent6" hlink="hlink" folHlink="folHlink"/>
+  <p:sldLayoutIdLst>
+    <p:sldLayoutId id="2147483675" r:id="rId2"/>
+    <p:sldLayoutId id="2147483676" r:id="rId3"/>
+    <p:sldLayoutId id="2147483677" r:id="rId4"/>
+    <p:sldLayoutId id="2147483678" r:id="rId5"/>
+    <p:sldLayoutId id="2147483679" r:id="rId6"/>
+    <p:sldLayoutId id="2147483680" r:id="rId7"/>
+    <p:sldLayoutId id="2147483681" r:id="rId8"/>
+    <p:sldLayoutId id="2147483682" r:id="rId9"/>
+    <p:sldLayoutId id="2147483683" r:id="rId10"/>
+    <p:sldLayoutId id="2147483684" r:id="rId11"/>
+    <p:sldLayoutId id="2147483685" r:id="rId12"/>
+    <p:sldLayoutId id="2147483686" r:id="rId13"/>
   </p:sldLayoutIdLst>
 </p:sldMaster>
 </file>
@@ -3200,14 +4909,14 @@
       </p:grpSpPr>
       <p:sp>
         <p:nvSpPr>
-          <p:cNvPr id="76" name="CustomShape 1"/>
+          <p:cNvPr id="117" name="CustomShape 1"/>
           <p:cNvSpPr/>
           <p:nvPr/>
         </p:nvSpPr>
         <p:spPr>
           <a:xfrm>
             <a:off x="1737360" y="365760"/>
-            <a:ext cx="6674760" cy="946080"/>
+            <a:ext cx="6674400" cy="945720"/>
           </a:xfrm>
           <a:prstGeom prst="rect">
             <a:avLst/>
@@ -3233,7 +4942,11 @@
             </a:pPr>
             <a:r>
               <a:rPr b="1" lang="en-US" sz="4400" spc="-1" strike="noStrike">
+                <a:solidFill>
+                  <a:srgbClr val="000000"/>
+                </a:solidFill>
                 <a:latin typeface="Lato Black"/>
+                <a:ea typeface="DejaVu Sans"/>
               </a:rPr>
               <a:t>Bite Counter</a:t>
             </a:r>
@@ -3245,7 +4958,7 @@
       </p:sp>
       <p:pic>
         <p:nvPicPr>
-          <p:cNvPr id="77" name="" descr=""/>
+          <p:cNvPr id="118" name="" descr=""/>
           <p:cNvPicPr/>
           <p:nvPr/>
         </p:nvPicPr>
@@ -3256,7 +4969,7 @@
         <p:spPr>
           <a:xfrm>
             <a:off x="1815840" y="1645920"/>
-            <a:ext cx="1932840" cy="2856960"/>
+            <a:ext cx="1932480" cy="2856600"/>
           </a:xfrm>
           <a:prstGeom prst="rect">
             <a:avLst/>
@@ -3268,14 +4981,14 @@
       </p:pic>
       <p:sp>
         <p:nvSpPr>
-          <p:cNvPr id="78" name="CustomShape 2"/>
+          <p:cNvPr id="119" name="CustomShape 2"/>
           <p:cNvSpPr/>
           <p:nvPr/>
         </p:nvSpPr>
         <p:spPr>
           <a:xfrm>
             <a:off x="7132320" y="4663440"/>
-            <a:ext cx="2742840" cy="681120"/>
+            <a:ext cx="2742480" cy="680760"/>
           </a:xfrm>
           <a:prstGeom prst="rect">
             <a:avLst/>
@@ -3305,6 +5018,7 @@
                   <a:srgbClr val="000000"/>
                 </a:solidFill>
                 <a:latin typeface="Calibri"/>
+                <a:ea typeface="DejaVu Sans"/>
               </a:rPr>
               <a:t>-Srihith Alwala</a:t>
             </a:r>
@@ -3324,6 +5038,7 @@
                   <a:srgbClr val="000000"/>
                 </a:solidFill>
                 <a:latin typeface="Calibri"/>
+                <a:ea typeface="DejaVu Sans"/>
               </a:rPr>
               <a:t> </a:t>
             </a:r>
@@ -3333,6 +5048,7 @@
                   <a:srgbClr val="000000"/>
                 </a:solidFill>
                 <a:latin typeface="Calibri"/>
+                <a:ea typeface="DejaVu Sans"/>
               </a:rPr>
               <a:t>Shashi Shivaraju</a:t>
             </a:r>
@@ -3344,7 +5060,7 @@
       </p:sp>
       <p:pic>
         <p:nvPicPr>
-          <p:cNvPr id="79" name="" descr=""/>
+          <p:cNvPr id="120" name="" descr=""/>
           <p:cNvPicPr/>
           <p:nvPr/>
         </p:nvPicPr>
@@ -3355,7 +5071,7 @@
         <p:spPr>
           <a:xfrm rot="21576000">
             <a:off x="4793400" y="2162160"/>
-            <a:ext cx="3077640" cy="2215800"/>
+            <a:ext cx="3077280" cy="2215440"/>
           </a:xfrm>
           <a:prstGeom prst="rect">
             <a:avLst/>
@@ -3367,14 +5083,14 @@
       </p:pic>
       <p:sp>
         <p:nvSpPr>
-          <p:cNvPr id="80" name="CustomShape 3"/>
+          <p:cNvPr id="121" name="CustomShape 3"/>
           <p:cNvSpPr/>
           <p:nvPr/>
         </p:nvSpPr>
         <p:spPr>
           <a:xfrm>
             <a:off x="6035040" y="1116720"/>
-            <a:ext cx="2925720" cy="345960"/>
+            <a:ext cx="2925360" cy="345600"/>
           </a:xfrm>
           <a:prstGeom prst="rect">
             <a:avLst/>
@@ -3400,7 +5116,11 @@
             </a:pPr>
             <a:r>
               <a:rPr b="0" lang="en-US" sz="1800" spc="-1" strike="noStrike">
+                <a:solidFill>
+                  <a:srgbClr val="000000"/>
+                </a:solidFill>
                 <a:latin typeface="Arial"/>
+                <a:ea typeface="DejaVu Sans"/>
               </a:rPr>
               <a:t>An energy intake tracker.</a:t>
             </a:r>
@@ -3461,14 +5181,14 @@
       </p:grpSpPr>
       <p:sp>
         <p:nvSpPr>
-          <p:cNvPr id="81" name="CustomShape 1"/>
+          <p:cNvPr id="122" name="CustomShape 1"/>
           <p:cNvSpPr/>
           <p:nvPr/>
         </p:nvSpPr>
         <p:spPr>
           <a:xfrm>
             <a:off x="2834640" y="182880"/>
-            <a:ext cx="4023000" cy="773280"/>
+            <a:ext cx="4022640" cy="772920"/>
           </a:xfrm>
           <a:prstGeom prst="rect">
             <a:avLst/>
@@ -3498,6 +5218,7 @@
                   <a:srgbClr val="000000"/>
                 </a:solidFill>
                 <a:latin typeface="Calibri"/>
+                <a:ea typeface="DejaVu Sans"/>
               </a:rPr>
               <a:t>Introduction</a:t>
             </a:r>
@@ -3509,14 +5230,14 @@
       </p:sp>
       <p:sp>
         <p:nvSpPr>
-          <p:cNvPr id="82" name="CustomShape 2"/>
+          <p:cNvPr id="123" name="CustomShape 2"/>
           <p:cNvSpPr/>
           <p:nvPr/>
         </p:nvSpPr>
         <p:spPr>
           <a:xfrm>
             <a:off x="274320" y="1005840"/>
-            <a:ext cx="4663080" cy="4185360"/>
+            <a:ext cx="4662720" cy="4185000"/>
           </a:xfrm>
           <a:prstGeom prst="rect">
             <a:avLst/>
@@ -3535,7 +5256,7 @@
         <p:txBody>
           <a:bodyPr lIns="90000" rIns="90000" tIns="45000" bIns="45000"/>
           <a:p>
-            <a:pPr marL="219600" indent="-219240">
+            <a:pPr marL="219600" indent="-218880">
               <a:lnSpc>
                 <a:spcPct val="100000"/>
               </a:lnSpc>
@@ -3547,7 +5268,11 @@
             </a:pPr>
             <a:r>
               <a:rPr b="1" lang="en-US" sz="1800" spc="-1" strike="noStrike">
+                <a:solidFill>
+                  <a:srgbClr val="000000"/>
+                </a:solidFill>
                 <a:latin typeface="Arial"/>
+                <a:ea typeface="DejaVu Sans"/>
               </a:rPr>
               <a:t>The Bite Counter is a wearable device which tracks the wrist motion,in order to monitor the food intake of the user. </a:t>
             </a:r>
@@ -3566,7 +5291,7 @@
             </a:endParaRPr>
           </a:p>
           <a:p>
-            <a:pPr marL="219600" indent="-219240">
+            <a:pPr marL="219600" indent="-218880">
               <a:lnSpc>
                 <a:spcPct val="100000"/>
               </a:lnSpc>
@@ -3578,6 +5303,9 @@
             </a:pPr>
             <a:r>
               <a:rPr b="1" lang="en-US" sz="1800" spc="-1" strike="noStrike">
+                <a:solidFill>
+                  <a:srgbClr val="000000"/>
+                </a:solidFill>
                 <a:latin typeface="Arial"/>
                 <a:ea typeface="Noto Sans CJK SC Regular"/>
               </a:rPr>
@@ -3598,7 +5326,7 @@
             </a:endParaRPr>
           </a:p>
           <a:p>
-            <a:pPr marL="219600" indent="-219240">
+            <a:pPr marL="219600" indent="-218880">
               <a:lnSpc>
                 <a:spcPct val="100000"/>
               </a:lnSpc>
@@ -3610,6 +5338,9 @@
             </a:pPr>
             <a:r>
               <a:rPr b="1" lang="en-US" sz="1800" spc="-1" strike="noStrike">
+                <a:solidFill>
+                  <a:srgbClr val="000000"/>
+                </a:solidFill>
                 <a:latin typeface="Arial"/>
                 <a:ea typeface="Noto Sans CJK SC Regular"/>
               </a:rPr>
@@ -3630,7 +5361,7 @@
             </a:endParaRPr>
           </a:p>
           <a:p>
-            <a:pPr marL="219600" indent="-219240">
+            <a:pPr marL="219600" indent="-218880">
               <a:lnSpc>
                 <a:spcPct val="100000"/>
               </a:lnSpc>
@@ -3642,6 +5373,9 @@
             </a:pPr>
             <a:r>
               <a:rPr b="1" lang="en-US" sz="1800" spc="-1" strike="noStrike">
+                <a:solidFill>
+                  <a:srgbClr val="000000"/>
+                </a:solidFill>
                 <a:latin typeface="Arial"/>
                 <a:ea typeface="Noto Sans CJK SC Regular"/>
               </a:rPr>
@@ -3655,7 +5389,7 @@
       </p:sp>
       <p:pic>
         <p:nvPicPr>
-          <p:cNvPr id="83" name="" descr=""/>
+          <p:cNvPr id="124" name="" descr=""/>
           <p:cNvPicPr/>
           <p:nvPr/>
         </p:nvPicPr>
@@ -3666,7 +5400,7 @@
         <p:spPr>
           <a:xfrm>
             <a:off x="5151600" y="1737360"/>
-            <a:ext cx="4449240" cy="2397600"/>
+            <a:ext cx="4448880" cy="2397240"/>
           </a:xfrm>
           <a:prstGeom prst="rect">
             <a:avLst/>
@@ -3727,14 +5461,14 @@
       </p:grpSpPr>
       <p:sp>
         <p:nvSpPr>
-          <p:cNvPr id="84" name="CustomShape 1"/>
+          <p:cNvPr id="125" name="CustomShape 1"/>
           <p:cNvSpPr/>
           <p:nvPr/>
         </p:nvSpPr>
         <p:spPr>
           <a:xfrm>
             <a:off x="3383280" y="141120"/>
-            <a:ext cx="3447720" cy="681480"/>
+            <a:ext cx="3447360" cy="681120"/>
           </a:xfrm>
           <a:prstGeom prst="rect">
             <a:avLst/>
@@ -3764,6 +5498,7 @@
                   <a:srgbClr val="000000"/>
                 </a:solidFill>
                 <a:latin typeface="Calibri"/>
+                <a:ea typeface="DejaVu Sans"/>
               </a:rPr>
               <a:t>Technology</a:t>
             </a:r>
@@ -3775,7 +5510,7 @@
       </p:sp>
       <p:pic>
         <p:nvPicPr>
-          <p:cNvPr id="85" name="" descr=""/>
+          <p:cNvPr id="126" name="" descr=""/>
           <p:cNvPicPr/>
           <p:nvPr/>
         </p:nvPicPr>
@@ -3786,7 +5521,7 @@
         <p:spPr>
           <a:xfrm>
             <a:off x="1371600" y="1188720"/>
-            <a:ext cx="7091280" cy="1980360"/>
+            <a:ext cx="7090920" cy="1980000"/>
           </a:xfrm>
           <a:prstGeom prst="rect">
             <a:avLst/>
@@ -3798,14 +5533,14 @@
       </p:pic>
       <p:sp>
         <p:nvSpPr>
-          <p:cNvPr id="86" name="CustomShape 2"/>
+          <p:cNvPr id="127" name="CustomShape 2"/>
           <p:cNvSpPr/>
           <p:nvPr/>
         </p:nvSpPr>
         <p:spPr>
           <a:xfrm>
             <a:off x="122400" y="3383280"/>
-            <a:ext cx="9661320" cy="1113840"/>
+            <a:ext cx="9660960" cy="1113480"/>
           </a:xfrm>
           <a:prstGeom prst="rect">
             <a:avLst/>
@@ -3824,7 +5559,7 @@
         <p:txBody>
           <a:bodyPr lIns="90000" rIns="90000" tIns="45000" bIns="45000"/>
           <a:p>
-            <a:pPr marL="216000" indent="-215640">
+            <a:pPr marL="216000" indent="-215280">
               <a:lnSpc>
                 <a:spcPct val="100000"/>
               </a:lnSpc>
@@ -3837,7 +5572,11 @@
             </a:pPr>
             <a:r>
               <a:rPr b="1" lang="en-US" sz="1800" spc="-1" strike="noStrike">
+                <a:solidFill>
+                  <a:srgbClr val="000000"/>
+                </a:solidFill>
                 <a:latin typeface="Arial"/>
+                <a:ea typeface="DejaVu Sans"/>
               </a:rPr>
               <a:t>The human wrist rolls in a distinctive pattern during eating.</a:t>
             </a:r>
@@ -3856,7 +5595,7 @@
             </a:endParaRPr>
           </a:p>
           <a:p>
-            <a:pPr marL="216000" indent="-215640">
+            <a:pPr marL="216000" indent="-215280">
               <a:lnSpc>
                 <a:spcPct val="100000"/>
               </a:lnSpc>
@@ -3869,6 +5608,9 @@
             </a:pPr>
             <a:r>
               <a:rPr b="1" lang="en-US" sz="1800" spc="-1" strike="noStrike">
+                <a:solidFill>
+                  <a:srgbClr val="000000"/>
+                </a:solidFill>
                 <a:latin typeface="Arial"/>
                 <a:ea typeface="Noto Sans CJK SC Regular"/>
               </a:rPr>
@@ -3931,14 +5673,14 @@
       </p:grpSpPr>
       <p:sp>
         <p:nvSpPr>
-          <p:cNvPr id="87" name="CustomShape 1"/>
+          <p:cNvPr id="128" name="CustomShape 1"/>
           <p:cNvSpPr/>
           <p:nvPr/>
         </p:nvSpPr>
         <p:spPr>
           <a:xfrm>
             <a:off x="1645920" y="182880"/>
-            <a:ext cx="7223760" cy="681480"/>
+            <a:ext cx="7223400" cy="681120"/>
           </a:xfrm>
           <a:prstGeom prst="rect">
             <a:avLst/>
@@ -3968,6 +5710,7 @@
                   <a:srgbClr val="000000"/>
                 </a:solidFill>
                 <a:latin typeface="Calibri"/>
+                <a:ea typeface="DejaVu Sans"/>
               </a:rPr>
               <a:t>System Implementation</a:t>
             </a:r>
@@ -3979,7 +5722,7 @@
       </p:sp>
       <p:pic>
         <p:nvPicPr>
-          <p:cNvPr id="88" name="Picture 3" descr=""/>
+          <p:cNvPr id="129" name="Picture 3" descr=""/>
           <p:cNvPicPr/>
           <p:nvPr/>
         </p:nvPicPr>
@@ -3990,7 +5733,7 @@
         <p:spPr>
           <a:xfrm>
             <a:off x="6254280" y="914400"/>
-            <a:ext cx="3621240" cy="3840480"/>
+            <a:ext cx="3620880" cy="3840120"/>
           </a:xfrm>
           <a:prstGeom prst="rect">
             <a:avLst/>
@@ -4002,14 +5745,14 @@
       </p:pic>
       <p:sp>
         <p:nvSpPr>
-          <p:cNvPr id="89" name="TextShape 2"/>
-          <p:cNvSpPr txBox="1"/>
+          <p:cNvPr id="130" name="CustomShape 2"/>
+          <p:cNvSpPr/>
           <p:nvPr/>
         </p:nvSpPr>
         <p:spPr>
           <a:xfrm>
             <a:off x="293400" y="1026000"/>
-            <a:ext cx="6015960" cy="2905920"/>
+            <a:ext cx="6015600" cy="2905560"/>
           </a:xfrm>
           <a:prstGeom prst="rect">
             <a:avLst/>
@@ -4019,9 +5762,20 @@
             <a:noFill/>
           </a:ln>
         </p:spPr>
+        <p:style>
+          <a:lnRef idx="0"/>
+          <a:fillRef idx="0"/>
+          <a:effectRef idx="0"/>
+          <a:fontRef idx="minor"/>
+        </p:style>
         <p:txBody>
           <a:bodyPr lIns="90000" rIns="90000" tIns="45000" bIns="45000"/>
           <a:p>
+            <a:pPr>
+              <a:lnSpc>
+                <a:spcPct val="100000"/>
+              </a:lnSpc>
+            </a:pPr>
             <a:r>
               <a:rPr b="1" lang="en-US" sz="1800" spc="-1" strike="noStrike">
                 <a:solidFill>
@@ -4036,12 +5790,20 @@
             </a:endParaRPr>
           </a:p>
           <a:p>
+            <a:pPr>
+              <a:lnSpc>
+                <a:spcPct val="100000"/>
+              </a:lnSpc>
+            </a:pPr>
             <a:endParaRPr b="0" lang="en-US" sz="1800" spc="-1" strike="noStrike">
               <a:latin typeface="Arial"/>
             </a:endParaRPr>
           </a:p>
           <a:p>
-            <a:pPr marL="216000" indent="-216000">
+            <a:pPr marL="216000" indent="-215640">
+              <a:lnSpc>
+                <a:spcPct val="100000"/>
+              </a:lnSpc>
               <a:buClr>
                 <a:srgbClr val="000000"/>
               </a:buClr>
@@ -4063,20 +5825,20 @@
             </a:endParaRPr>
           </a:p>
           <a:p>
-            <a:pPr marL="216000" indent="-216000">
-              <a:buClr>
-                <a:srgbClr val="000000"/>
-              </a:buClr>
-              <a:buSzPct val="105000"/>
-              <a:buFont typeface="Wingdings" charset="2"/>
-              <a:buChar char=""/>
+            <a:pPr>
+              <a:lnSpc>
+                <a:spcPct val="100000"/>
+              </a:lnSpc>
             </a:pPr>
             <a:endParaRPr b="0" lang="en-US" sz="1800" spc="-1" strike="noStrike">
               <a:latin typeface="Arial"/>
             </a:endParaRPr>
           </a:p>
           <a:p>
-            <a:pPr marL="216000" indent="-216000">
+            <a:pPr marL="216000" indent="-215640">
+              <a:lnSpc>
+                <a:spcPct val="100000"/>
+              </a:lnSpc>
               <a:buClr>
                 <a:srgbClr val="000000"/>
               </a:buClr>
@@ -4098,20 +5860,20 @@
             </a:endParaRPr>
           </a:p>
           <a:p>
-            <a:pPr marL="216000" indent="-216000">
-              <a:buClr>
-                <a:srgbClr val="000000"/>
-              </a:buClr>
-              <a:buSzPct val="105000"/>
-              <a:buFont typeface="Wingdings" charset="2"/>
-              <a:buChar char=""/>
+            <a:pPr>
+              <a:lnSpc>
+                <a:spcPct val="100000"/>
+              </a:lnSpc>
             </a:pPr>
             <a:endParaRPr b="0" lang="en-US" sz="1800" spc="-1" strike="noStrike">
               <a:latin typeface="Arial"/>
             </a:endParaRPr>
           </a:p>
           <a:p>
-            <a:pPr marL="216000" indent="-216000">
+            <a:pPr marL="216000" indent="-215640">
+              <a:lnSpc>
+                <a:spcPct val="100000"/>
+              </a:lnSpc>
               <a:buClr>
                 <a:srgbClr val="000000"/>
               </a:buClr>
@@ -4133,20 +5895,20 @@
             </a:endParaRPr>
           </a:p>
           <a:p>
-            <a:pPr marL="216000" indent="-216000">
-              <a:buClr>
-                <a:srgbClr val="000000"/>
-              </a:buClr>
-              <a:buSzPct val="105000"/>
-              <a:buFont typeface="Wingdings" charset="2"/>
-              <a:buChar char=""/>
+            <a:pPr>
+              <a:lnSpc>
+                <a:spcPct val="100000"/>
+              </a:lnSpc>
             </a:pPr>
             <a:endParaRPr b="0" lang="en-US" sz="1800" spc="-1" strike="noStrike">
               <a:latin typeface="Arial"/>
             </a:endParaRPr>
           </a:p>
           <a:p>
-            <a:pPr marL="216000" indent="-216000">
+            <a:pPr marL="216000" indent="-215640">
+              <a:lnSpc>
+                <a:spcPct val="100000"/>
+              </a:lnSpc>
               <a:buClr>
                 <a:srgbClr val="000000"/>
               </a:buClr>
@@ -4168,6 +5930,11 @@
             </a:endParaRPr>
           </a:p>
           <a:p>
+            <a:pPr>
+              <a:lnSpc>
+                <a:spcPct val="100000"/>
+              </a:lnSpc>
+            </a:pPr>
             <a:r>
               <a:rPr b="1" lang="en-US" sz="1800" spc="-1" strike="noStrike">
                 <a:solidFill>
@@ -4185,7 +5952,7 @@
       </p:sp>
       <p:pic>
         <p:nvPicPr>
-          <p:cNvPr id="90" name="Picture 4" descr=""/>
+          <p:cNvPr id="131" name="Picture 4" descr=""/>
           <p:cNvPicPr/>
           <p:nvPr/>
         </p:nvPicPr>
@@ -4196,7 +5963,7 @@
         <p:spPr>
           <a:xfrm>
             <a:off x="640080" y="3990240"/>
-            <a:ext cx="1310400" cy="1130400"/>
+            <a:ext cx="1310040" cy="1130040"/>
           </a:xfrm>
           <a:prstGeom prst="rect">
             <a:avLst/>
@@ -4208,7 +5975,7 @@
       </p:pic>
       <p:pic>
         <p:nvPicPr>
-          <p:cNvPr id="91" name="Picture 2" descr=""/>
+          <p:cNvPr id="132" name="Picture 2" descr=""/>
           <p:cNvPicPr/>
           <p:nvPr/>
         </p:nvPicPr>
@@ -4219,7 +5986,7 @@
         <p:spPr>
           <a:xfrm>
             <a:off x="2594880" y="3931920"/>
-            <a:ext cx="1702800" cy="1173960"/>
+            <a:ext cx="1702440" cy="1173600"/>
           </a:xfrm>
           <a:prstGeom prst="rect">
             <a:avLst/>
@@ -4231,7 +5998,7 @@
       </p:pic>
       <p:pic>
         <p:nvPicPr>
-          <p:cNvPr id="92" name="Picture 6" descr=""/>
+          <p:cNvPr id="133" name="Picture 6" descr=""/>
           <p:cNvPicPr/>
           <p:nvPr/>
         </p:nvPicPr>
@@ -4242,7 +6009,7 @@
         <p:spPr>
           <a:xfrm>
             <a:off x="4846320" y="4023360"/>
-            <a:ext cx="1005840" cy="797760"/>
+            <a:ext cx="1005480" cy="797400"/>
           </a:xfrm>
           <a:prstGeom prst="rect">
             <a:avLst/>
@@ -4254,20 +6021,20 @@
       </p:pic>
       <p:sp>
         <p:nvSpPr>
-          <p:cNvPr id="93" name="CustomShape 3"/>
+          <p:cNvPr id="134" name="CustomShape 3"/>
           <p:cNvSpPr/>
           <p:nvPr/>
         </p:nvSpPr>
         <p:spPr>
           <a:xfrm>
             <a:off x="1737360" y="4206240"/>
-            <a:ext cx="1005840" cy="182880"/>
+            <a:ext cx="1005480" cy="182520"/>
           </a:xfrm>
           <a:custGeom>
             <a:avLst/>
             <a:gdLst/>
             <a:ahLst/>
-            <a:rect l="0" t="0" r="r" b="b"/>
+            <a:rect l="l" t="t" r="r" b="b"/>
             <a:pathLst>
               <a:path w="2796" h="510">
                 <a:moveTo>
@@ -4324,20 +6091,20 @@
       </p:sp>
       <p:sp>
         <p:nvSpPr>
-          <p:cNvPr id="94" name="CustomShape 4"/>
+          <p:cNvPr id="135" name="CustomShape 4"/>
           <p:cNvSpPr/>
           <p:nvPr/>
         </p:nvSpPr>
         <p:spPr>
           <a:xfrm>
             <a:off x="4297680" y="4206240"/>
-            <a:ext cx="640080" cy="182880"/>
+            <a:ext cx="639720" cy="182520"/>
           </a:xfrm>
           <a:custGeom>
             <a:avLst/>
             <a:gdLst/>
             <a:ahLst/>
-            <a:rect l="0" t="0" r="r" b="b"/>
+            <a:rect l="l" t="t" r="r" b="b"/>
             <a:pathLst>
               <a:path w="1780" h="510">
                 <a:moveTo>
@@ -4394,14 +6161,14 @@
       </p:sp>
       <p:sp>
         <p:nvSpPr>
-          <p:cNvPr id="95" name="TextShape 5"/>
-          <p:cNvSpPr txBox="1"/>
+          <p:cNvPr id="136" name="CustomShape 5"/>
+          <p:cNvSpPr/>
           <p:nvPr/>
         </p:nvSpPr>
         <p:spPr>
           <a:xfrm>
             <a:off x="731520" y="5120640"/>
-            <a:ext cx="1188720" cy="365760"/>
+            <a:ext cx="1188360" cy="365400"/>
           </a:xfrm>
           <a:prstGeom prst="rect">
             <a:avLst/>
@@ -4411,9 +6178,20 @@
             <a:noFill/>
           </a:ln>
         </p:spPr>
+        <p:style>
+          <a:lnRef idx="0"/>
+          <a:fillRef idx="0"/>
+          <a:effectRef idx="0"/>
+          <a:fontRef idx="minor"/>
+        </p:style>
         <p:txBody>
           <a:bodyPr lIns="90000" rIns="90000" tIns="45000" bIns="45000"/>
           <a:p>
+            <a:pPr>
+              <a:lnSpc>
+                <a:spcPct val="100000"/>
+              </a:lnSpc>
+            </a:pPr>
             <a:r>
               <a:rPr b="0" lang="en-US" sz="1800" spc="-1" strike="noStrike">
                 <a:latin typeface="Arial"/>
@@ -4428,14 +6206,14 @@
       </p:sp>
       <p:sp>
         <p:nvSpPr>
-          <p:cNvPr id="96" name="TextShape 6"/>
-          <p:cNvSpPr txBox="1"/>
+          <p:cNvPr id="137" name="CustomShape 6"/>
+          <p:cNvSpPr/>
           <p:nvPr/>
         </p:nvSpPr>
         <p:spPr>
           <a:xfrm>
             <a:off x="2834640" y="5120640"/>
-            <a:ext cx="1280160" cy="365760"/>
+            <a:ext cx="1279800" cy="365400"/>
           </a:xfrm>
           <a:prstGeom prst="rect">
             <a:avLst/>
@@ -4445,9 +6223,20 @@
             <a:noFill/>
           </a:ln>
         </p:spPr>
+        <p:style>
+          <a:lnRef idx="0"/>
+          <a:fillRef idx="0"/>
+          <a:effectRef idx="0"/>
+          <a:fontRef idx="minor"/>
+        </p:style>
         <p:txBody>
           <a:bodyPr lIns="90000" rIns="90000" tIns="45000" bIns="45000"/>
           <a:p>
+            <a:pPr>
+              <a:lnSpc>
+                <a:spcPct val="100000"/>
+              </a:lnSpc>
+            </a:pPr>
             <a:r>
               <a:rPr b="0" lang="en-US" sz="1800" spc="-1" strike="noStrike">
                 <a:latin typeface="Arial"/>
@@ -4462,14 +6251,14 @@
       </p:sp>
       <p:sp>
         <p:nvSpPr>
-          <p:cNvPr id="97" name="TextShape 7"/>
-          <p:cNvSpPr txBox="1"/>
+          <p:cNvPr id="138" name="CustomShape 7"/>
+          <p:cNvSpPr/>
           <p:nvPr/>
         </p:nvSpPr>
         <p:spPr>
           <a:xfrm>
             <a:off x="4937760" y="4937760"/>
-            <a:ext cx="1097280" cy="365760"/>
+            <a:ext cx="1096920" cy="365400"/>
           </a:xfrm>
           <a:prstGeom prst="rect">
             <a:avLst/>
@@ -4479,9 +6268,20 @@
             <a:noFill/>
           </a:ln>
         </p:spPr>
+        <p:style>
+          <a:lnRef idx="0"/>
+          <a:fillRef idx="0"/>
+          <a:effectRef idx="0"/>
+          <a:fontRef idx="minor"/>
+        </p:style>
         <p:txBody>
           <a:bodyPr lIns="90000" rIns="90000" tIns="45000" bIns="45000"/>
           <a:p>
+            <a:pPr>
+              <a:lnSpc>
+                <a:spcPct val="100000"/>
+              </a:lnSpc>
+            </a:pPr>
             <a:r>
               <a:rPr b="0" lang="en-US" sz="1800" spc="-1" strike="noStrike">
                 <a:latin typeface="Arial"/>
@@ -4543,29 +6343,511 @@
           <a:chExt cx="0" cy="0"/>
         </a:xfrm>
       </p:grpSpPr>
-      <p:pic>
-        <p:nvPicPr>
-          <p:cNvPr id="98" name="Picture 6" descr=""/>
-          <p:cNvPicPr/>
+      <p:sp>
+        <p:nvSpPr>
+          <p:cNvPr id="139" name="CustomShape 1"/>
+          <p:cNvSpPr/>
           <p:nvPr/>
-        </p:nvPicPr>
-        <p:blipFill>
-          <a:blip r:embed="rId1"/>
-          <a:stretch/>
-        </p:blipFill>
-        <p:spPr>
-          <a:xfrm>
-            <a:off x="640080" y="251640"/>
-            <a:ext cx="9143640" cy="5143320"/>
-          </a:xfrm>
-          <a:prstGeom prst="rect">
-            <a:avLst/>
-          </a:prstGeom>
+        </p:nvSpPr>
+        <p:spPr>
+          <a:xfrm>
+            <a:off x="251640" y="189000"/>
+            <a:ext cx="6468120" cy="699120"/>
+          </a:xfrm>
+          <a:prstGeom prst="rect">
+            <a:avLst/>
+          </a:prstGeom>
+          <a:noFill/>
           <a:ln>
             <a:noFill/>
           </a:ln>
         </p:spPr>
-      </p:pic>
+        <p:style>
+          <a:lnRef idx="0"/>
+          <a:fillRef idx="0"/>
+          <a:effectRef idx="0"/>
+          <a:fontRef idx="minor"/>
+        </p:style>
+        <p:txBody>
+          <a:bodyPr lIns="90000" rIns="90000" tIns="45000" bIns="45000"/>
+          <a:p>
+            <a:pPr>
+              <a:lnSpc>
+                <a:spcPct val="100000"/>
+              </a:lnSpc>
+            </a:pPr>
+            <a:r>
+              <a:rPr b="1" lang="en-US" sz="4000" spc="-1" strike="noStrike">
+                <a:solidFill>
+                  <a:srgbClr val="000000"/>
+                </a:solidFill>
+                <a:latin typeface="Calibri"/>
+              </a:rPr>
+              <a:t>SWOT Analysis</a:t>
+            </a:r>
+            <a:endParaRPr b="0" lang="en-US" sz="4000" spc="-1" strike="noStrike">
+              <a:latin typeface="Arial"/>
+            </a:endParaRPr>
+          </a:p>
+        </p:txBody>
+      </p:sp>
+      <p:sp>
+        <p:nvSpPr>
+          <p:cNvPr id="140" name="CustomShape 2"/>
+          <p:cNvSpPr/>
+          <p:nvPr/>
+        </p:nvSpPr>
+        <p:spPr>
+          <a:xfrm>
+            <a:off x="335880" y="888120"/>
+            <a:ext cx="4872240" cy="3107160"/>
+          </a:xfrm>
+          <a:prstGeom prst="rect">
+            <a:avLst/>
+          </a:prstGeom>
+          <a:noFill/>
+          <a:ln>
+            <a:noFill/>
+          </a:ln>
+        </p:spPr>
+        <p:style>
+          <a:lnRef idx="0"/>
+          <a:fillRef idx="0"/>
+          <a:effectRef idx="0"/>
+          <a:fontRef idx="minor"/>
+        </p:style>
+        <p:txBody>
+          <a:bodyPr lIns="90000" rIns="90000" tIns="45000" bIns="45000"/>
+          <a:p>
+            <a:pPr indent="-216000" algn="just">
+              <a:lnSpc>
+                <a:spcPct val="100000"/>
+              </a:lnSpc>
+            </a:pPr>
+            <a:r>
+              <a:rPr b="1" lang="en-US" sz="1800" spc="-1" strike="noStrike">
+                <a:solidFill>
+                  <a:srgbClr val="000000"/>
+                </a:solidFill>
+                <a:latin typeface="Calibri"/>
+              </a:rPr>
+              <a:t>Strength :</a:t>
+            </a:r>
+            <a:endParaRPr b="0" lang="en-US" sz="1800" spc="-1" strike="noStrike">
+              <a:latin typeface="Arial"/>
+            </a:endParaRPr>
+          </a:p>
+          <a:p>
+            <a:pPr indent="-216000" algn="just">
+              <a:lnSpc>
+                <a:spcPct val="100000"/>
+              </a:lnSpc>
+              <a:buClr>
+                <a:srgbClr val="000000"/>
+              </a:buClr>
+              <a:buSzPct val="45000"/>
+              <a:buFont typeface="Wingdings" charset="2"/>
+              <a:buChar char=""/>
+            </a:pPr>
+            <a:r>
+              <a:rPr b="0" lang="en-US" sz="1800" spc="-1" strike="noStrike">
+                <a:solidFill>
+                  <a:srgbClr val="000000"/>
+                </a:solidFill>
+                <a:latin typeface="Calibri"/>
+              </a:rPr>
+              <a:t> </a:t>
+            </a:r>
+            <a:r>
+              <a:rPr b="0" lang="en-US" sz="1800" spc="-1" strike="noStrike">
+                <a:solidFill>
+                  <a:srgbClr val="000000"/>
+                </a:solidFill>
+                <a:latin typeface="Calibri"/>
+              </a:rPr>
+              <a:t>Unique feature of counting bites and determining the energy intake during a meal.</a:t>
+            </a:r>
+            <a:endParaRPr b="0" lang="en-US" sz="1800" spc="-1" strike="noStrike">
+              <a:latin typeface="Arial"/>
+            </a:endParaRPr>
+          </a:p>
+          <a:p>
+            <a:pPr indent="-216000" algn="just">
+              <a:lnSpc>
+                <a:spcPct val="100000"/>
+              </a:lnSpc>
+              <a:buClr>
+                <a:srgbClr val="000000"/>
+              </a:buClr>
+              <a:buSzPct val="45000"/>
+              <a:buFont typeface="Wingdings" charset="2"/>
+              <a:buChar char=""/>
+            </a:pPr>
+            <a:r>
+              <a:rPr b="0" lang="en-US" sz="1800" spc="-1" strike="noStrike">
+                <a:solidFill>
+                  <a:srgbClr val="000000"/>
+                </a:solidFill>
+                <a:latin typeface="Calibri"/>
+              </a:rPr>
+              <a:t> </a:t>
+            </a:r>
+            <a:r>
+              <a:rPr b="0" lang="en-US" sz="1800" spc="-1" strike="noStrike">
+                <a:solidFill>
+                  <a:srgbClr val="000000"/>
+                </a:solidFill>
+                <a:latin typeface="Calibri"/>
+              </a:rPr>
+              <a:t>A tool to assist in weight loss program and fight against obesity. </a:t>
+            </a:r>
+            <a:endParaRPr b="0" lang="en-US" sz="1800" spc="-1" strike="noStrike">
+              <a:latin typeface="Arial"/>
+            </a:endParaRPr>
+          </a:p>
+          <a:p>
+            <a:pPr indent="-216000" algn="just">
+              <a:lnSpc>
+                <a:spcPct val="100000"/>
+              </a:lnSpc>
+              <a:buClr>
+                <a:srgbClr val="000000"/>
+              </a:buClr>
+              <a:buSzPct val="45000"/>
+              <a:buFont typeface="Wingdings" charset="2"/>
+              <a:buChar char=""/>
+            </a:pPr>
+            <a:r>
+              <a:rPr b="0" lang="en-US" sz="1800" spc="-1" strike="noStrike">
+                <a:solidFill>
+                  <a:srgbClr val="000000"/>
+                </a:solidFill>
+                <a:latin typeface="Calibri"/>
+              </a:rPr>
+              <a:t> </a:t>
+            </a:r>
+            <a:r>
+              <a:rPr b="0" lang="en-US" sz="1800" spc="-1" strike="noStrike">
+                <a:solidFill>
+                  <a:srgbClr val="000000"/>
+                </a:solidFill>
+                <a:latin typeface="Calibri"/>
+              </a:rPr>
+              <a:t>A wearable device which can be used as a normal watch. </a:t>
+            </a:r>
+            <a:endParaRPr b="0" lang="en-US" sz="1800" spc="-1" strike="noStrike">
+              <a:latin typeface="Arial"/>
+            </a:endParaRPr>
+          </a:p>
+          <a:p>
+            <a:pPr indent="-216000" algn="just">
+              <a:lnSpc>
+                <a:spcPct val="100000"/>
+              </a:lnSpc>
+            </a:pPr>
+            <a:r>
+              <a:rPr b="1" lang="en-US" sz="1800" spc="-1" strike="noStrike">
+                <a:solidFill>
+                  <a:srgbClr val="000000"/>
+                </a:solidFill>
+                <a:latin typeface="Calibri"/>
+              </a:rPr>
+              <a:t> </a:t>
+            </a:r>
+            <a:endParaRPr b="0" lang="en-US" sz="1800" spc="-1" strike="noStrike">
+              <a:latin typeface="Arial"/>
+            </a:endParaRPr>
+          </a:p>
+          <a:p>
+            <a:pPr indent="-216000" algn="just">
+              <a:lnSpc>
+                <a:spcPct val="100000"/>
+              </a:lnSpc>
+            </a:pPr>
+            <a:r>
+              <a:rPr b="1" lang="en-US" sz="1800" spc="-1" strike="noStrike">
+                <a:solidFill>
+                  <a:srgbClr val="000000"/>
+                </a:solidFill>
+                <a:latin typeface="Calibri"/>
+              </a:rPr>
+              <a:t> </a:t>
+            </a:r>
+            <a:endParaRPr b="0" lang="en-US" sz="1800" spc="-1" strike="noStrike">
+              <a:latin typeface="Arial"/>
+            </a:endParaRPr>
+          </a:p>
+          <a:p>
+            <a:pPr indent="-216000" algn="just">
+              <a:lnSpc>
+                <a:spcPct val="100000"/>
+              </a:lnSpc>
+            </a:pPr>
+            <a:r>
+              <a:rPr b="0" lang="en-US" sz="1800" spc="-1" strike="noStrike">
+                <a:solidFill>
+                  <a:srgbClr val="000000"/>
+                </a:solidFill>
+                <a:latin typeface="Calibri"/>
+              </a:rPr>
+              <a:t> </a:t>
+            </a:r>
+            <a:endParaRPr b="0" lang="en-US" sz="1800" spc="-1" strike="noStrike">
+              <a:latin typeface="Arial"/>
+            </a:endParaRPr>
+          </a:p>
+        </p:txBody>
+      </p:sp>
+      <p:sp>
+        <p:nvSpPr>
+          <p:cNvPr id="141" name="CustomShape 3"/>
+          <p:cNvSpPr/>
+          <p:nvPr/>
+        </p:nvSpPr>
+        <p:spPr>
+          <a:xfrm>
+            <a:off x="5577840" y="914400"/>
+            <a:ext cx="4199760" cy="1186920"/>
+          </a:xfrm>
+          <a:prstGeom prst="rect">
+            <a:avLst/>
+          </a:prstGeom>
+          <a:noFill/>
+          <a:ln>
+            <a:noFill/>
+          </a:ln>
+        </p:spPr>
+        <p:style>
+          <a:lnRef idx="0"/>
+          <a:fillRef idx="0"/>
+          <a:effectRef idx="0"/>
+          <a:fontRef idx="minor"/>
+        </p:style>
+        <p:txBody>
+          <a:bodyPr lIns="90000" rIns="90000" tIns="45000" bIns="45000"/>
+          <a:p>
+            <a:pPr indent="-216000" algn="just">
+              <a:lnSpc>
+                <a:spcPct val="100000"/>
+              </a:lnSpc>
+            </a:pPr>
+            <a:r>
+              <a:rPr b="1" lang="en-US" sz="1800" spc="-1" strike="noStrike">
+                <a:solidFill>
+                  <a:srgbClr val="000000"/>
+                </a:solidFill>
+                <a:latin typeface="Calibri"/>
+              </a:rPr>
+              <a:t>Weakness:</a:t>
+            </a:r>
+            <a:endParaRPr b="0" lang="en-US" sz="1800" spc="-1" strike="noStrike">
+              <a:latin typeface="Arial"/>
+            </a:endParaRPr>
+          </a:p>
+          <a:p>
+            <a:pPr indent="-216000" algn="just">
+              <a:lnSpc>
+                <a:spcPct val="100000"/>
+              </a:lnSpc>
+            </a:pPr>
+            <a:r>
+              <a:rPr b="0" lang="en-US" sz="1800" spc="-1" strike="noStrike">
+                <a:solidFill>
+                  <a:srgbClr val="000000"/>
+                </a:solidFill>
+                <a:latin typeface="Calibri"/>
+              </a:rPr>
+              <a:t>Inaccurate Metrics – Sensor data can be inaccurate &amp; Algorithms involve certain level of guessing.</a:t>
+            </a:r>
+            <a:endParaRPr b="0" lang="en-US" sz="1800" spc="-1" strike="noStrike">
+              <a:latin typeface="Arial"/>
+            </a:endParaRPr>
+          </a:p>
+        </p:txBody>
+      </p:sp>
+      <p:sp>
+        <p:nvSpPr>
+          <p:cNvPr id="142" name="CustomShape 4"/>
+          <p:cNvSpPr/>
+          <p:nvPr/>
+        </p:nvSpPr>
+        <p:spPr>
+          <a:xfrm>
+            <a:off x="274320" y="3200400"/>
+            <a:ext cx="4199760" cy="2284200"/>
+          </a:xfrm>
+          <a:prstGeom prst="rect">
+            <a:avLst/>
+          </a:prstGeom>
+          <a:noFill/>
+          <a:ln>
+            <a:noFill/>
+          </a:ln>
+        </p:spPr>
+        <p:style>
+          <a:lnRef idx="0"/>
+          <a:fillRef idx="0"/>
+          <a:effectRef idx="0"/>
+          <a:fontRef idx="minor"/>
+        </p:style>
+        <p:txBody>
+          <a:bodyPr lIns="90000" rIns="90000" tIns="45000" bIns="45000"/>
+          <a:p>
+            <a:pPr indent="-216000" algn="just">
+              <a:lnSpc>
+                <a:spcPct val="100000"/>
+              </a:lnSpc>
+            </a:pPr>
+            <a:r>
+              <a:rPr b="1" lang="en-US" sz="1800" spc="-1" strike="noStrike">
+                <a:solidFill>
+                  <a:srgbClr val="000000"/>
+                </a:solidFill>
+                <a:latin typeface="Calibri"/>
+              </a:rPr>
+              <a:t>Opportunities:</a:t>
+            </a:r>
+            <a:endParaRPr b="0" lang="en-US" sz="1800" spc="-1" strike="noStrike">
+              <a:latin typeface="Arial"/>
+            </a:endParaRPr>
+          </a:p>
+          <a:p>
+            <a:pPr indent="-219600" algn="just">
+              <a:lnSpc>
+                <a:spcPct val="100000"/>
+              </a:lnSpc>
+              <a:buClr>
+                <a:srgbClr val="000000"/>
+              </a:buClr>
+              <a:buSzPct val="80000"/>
+              <a:buFont typeface="Wingdings" charset="2"/>
+              <a:buChar char=""/>
+            </a:pPr>
+            <a:r>
+              <a:rPr b="0" lang="en-US" sz="1800" spc="-1" strike="noStrike">
+                <a:solidFill>
+                  <a:srgbClr val="000000"/>
+                </a:solidFill>
+                <a:latin typeface="Calibri"/>
+              </a:rPr>
+              <a:t> </a:t>
+            </a:r>
+            <a:r>
+              <a:rPr b="0" lang="en-US" sz="1800" spc="-1" strike="noStrike">
+                <a:solidFill>
+                  <a:srgbClr val="000000"/>
+                </a:solidFill>
+                <a:latin typeface="Calibri"/>
+              </a:rPr>
+              <a:t>Improve Algorithms to reduce errors.</a:t>
+            </a:r>
+            <a:endParaRPr b="0" lang="en-US" sz="1800" spc="-1" strike="noStrike">
+              <a:latin typeface="Arial"/>
+            </a:endParaRPr>
+          </a:p>
+          <a:p>
+            <a:pPr indent="-219600" algn="just">
+              <a:lnSpc>
+                <a:spcPct val="100000"/>
+              </a:lnSpc>
+              <a:buClr>
+                <a:srgbClr val="000000"/>
+              </a:buClr>
+              <a:buSzPct val="80000"/>
+              <a:buFont typeface="Wingdings" charset="2"/>
+              <a:buChar char=""/>
+            </a:pPr>
+            <a:r>
+              <a:rPr b="0" lang="en-US" sz="1800" spc="-1" strike="noStrike">
+                <a:solidFill>
+                  <a:srgbClr val="000000"/>
+                </a:solidFill>
+                <a:latin typeface="Calibri"/>
+              </a:rPr>
+              <a:t> </a:t>
+            </a:r>
+            <a:r>
+              <a:rPr b="0" lang="en-US" sz="1800" spc="-1" strike="noStrike">
+                <a:solidFill>
+                  <a:srgbClr val="000000"/>
+                </a:solidFill>
+                <a:latin typeface="Calibri"/>
+              </a:rPr>
+              <a:t>Incorporate features of activity trackers such as pedometer,heart rate sensor to make the product more marketable with additional features.</a:t>
+            </a:r>
+            <a:endParaRPr b="0" lang="en-US" sz="1800" spc="-1" strike="noStrike">
+              <a:latin typeface="Arial"/>
+            </a:endParaRPr>
+          </a:p>
+        </p:txBody>
+      </p:sp>
+      <p:sp>
+        <p:nvSpPr>
+          <p:cNvPr id="143" name="CustomShape 5"/>
+          <p:cNvSpPr/>
+          <p:nvPr/>
+        </p:nvSpPr>
+        <p:spPr>
+          <a:xfrm>
+            <a:off x="5584320" y="3202200"/>
+            <a:ext cx="4199760" cy="1461240"/>
+          </a:xfrm>
+          <a:prstGeom prst="rect">
+            <a:avLst/>
+          </a:prstGeom>
+          <a:noFill/>
+          <a:ln>
+            <a:noFill/>
+          </a:ln>
+        </p:spPr>
+        <p:style>
+          <a:lnRef idx="0"/>
+          <a:fillRef idx="0"/>
+          <a:effectRef idx="0"/>
+          <a:fontRef idx="minor"/>
+        </p:style>
+        <p:txBody>
+          <a:bodyPr lIns="90000" rIns="90000" tIns="45000" bIns="45000"/>
+          <a:p>
+            <a:pPr algn="just">
+              <a:lnSpc>
+                <a:spcPct val="100000"/>
+              </a:lnSpc>
+            </a:pPr>
+            <a:r>
+              <a:rPr b="1" lang="en-US" sz="1800" spc="-1" strike="noStrike">
+                <a:solidFill>
+                  <a:srgbClr val="000000"/>
+                </a:solidFill>
+                <a:latin typeface="Calibri"/>
+              </a:rPr>
+              <a:t>Threats: </a:t>
+            </a:r>
+            <a:endParaRPr b="0" lang="en-US" sz="1800" spc="-1" strike="noStrike">
+              <a:latin typeface="Arial"/>
+            </a:endParaRPr>
+          </a:p>
+          <a:p>
+            <a:pPr algn="just">
+              <a:lnSpc>
+                <a:spcPct val="100000"/>
+              </a:lnSpc>
+            </a:pPr>
+            <a:r>
+              <a:rPr b="0" lang="en-US" sz="1800" spc="-1" strike="noStrike">
+                <a:solidFill>
+                  <a:srgbClr val="000000"/>
+                </a:solidFill>
+                <a:latin typeface="Calibri"/>
+              </a:rPr>
+              <a:t>Smart watches – have necessary hardware to implement all the functions of activity tracker along with premium design. </a:t>
+            </a:r>
+            <a:endParaRPr b="0" lang="en-US" sz="1800" spc="-1" strike="noStrike">
+              <a:latin typeface="Arial"/>
+            </a:endParaRPr>
+          </a:p>
+        </p:txBody>
+      </p:sp>
     </p:spTree>
   </p:cSld>
   <p:timing>
@@ -4574,7 +6856,294 @@
         <p:cTn id="9" dur="indefinite" restart="never" nodeType="tmRoot">
           <p:childTnLst>
             <p:seq>
-              <p:cTn id="10" dur="indefinite" nodeType="mainSeq"/>
+              <p:cTn id="10" dur="indefinite" nodeType="mainSeq">
+                <p:childTnLst>
+                  <p:par>
+                    <p:cTn id="11" fill="hold">
+                      <p:stCondLst>
+                        <p:cond delay="indefinite"/>
+                      </p:stCondLst>
+                      <p:childTnLst>
+                        <p:par>
+                          <p:cTn id="12" fill="hold">
+                            <p:stCondLst>
+                              <p:cond delay="0"/>
+                            </p:stCondLst>
+                            <p:childTnLst>
+                              <p:par>
+                                <p:cTn id="13" nodeType="clickEffect" fill="hold" presetClass="entr" presetID="12" presetSubtype="4">
+                                  <p:stCondLst>
+                                    <p:cond delay="0"/>
+                                  </p:stCondLst>
+                                  <p:childTnLst>
+                                    <p:set>
+                                      <p:cBhvr>
+                                        <p:cTn id="14" dur="1" fill="hold">
+                                          <p:stCondLst>
+                                            <p:cond delay="0"/>
+                                          </p:stCondLst>
+                                        </p:cTn>
+                                        <p:tgtEl>
+                                          <p:spTgt spid="140"/>
+                                        </p:tgtEl>
+                                        <p:attrNameLst>
+                                          <p:attrName>style.visibility</p:attrName>
+                                        </p:attrNameLst>
+                                      </p:cBhvr>
+                                      <p:to>
+                                        <p:strVal val="visible"/>
+                                      </p:to>
+                                    </p:set>
+                                    <p:animEffect filter="slide(fromBottom)" transition="in">
+                                      <p:cBhvr additive="repl">
+                                        <p:cTn id="15" dur="500"/>
+                                        <p:tgtEl>
+                                          <p:spTgt spid="140"/>
+                                        </p:tgtEl>
+                                      </p:cBhvr>
+                                    </p:animEffect>
+                                  </p:childTnLst>
+                                </p:cTn>
+                              </p:par>
+                            </p:childTnLst>
+                          </p:cTn>
+                        </p:par>
+                      </p:childTnLst>
+                    </p:cTn>
+                  </p:par>
+                  <p:par>
+                    <p:cTn id="16" fill="hold">
+                      <p:stCondLst>
+                        <p:cond delay="indefinite"/>
+                      </p:stCondLst>
+                      <p:childTnLst>
+                        <p:par>
+                          <p:cTn id="17" fill="hold">
+                            <p:stCondLst>
+                              <p:cond delay="0"/>
+                            </p:stCondLst>
+                            <p:childTnLst>
+                              <p:par>
+                                <p:cTn id="18" nodeType="clickEffect" fill="hold" presetClass="entr" presetID="12" presetSubtype="4">
+                                  <p:stCondLst>
+                                    <p:cond delay="0"/>
+                                  </p:stCondLst>
+                                  <p:childTnLst>
+                                    <p:set>
+                                      <p:cBhvr>
+                                        <p:cTn id="19" dur="1" fill="hold">
+                                          <p:stCondLst>
+                                            <p:cond delay="0"/>
+                                          </p:stCondLst>
+                                        </p:cTn>
+                                        <p:tgtEl>
+                                          <p:spTgt spid="141"/>
+                                        </p:tgtEl>
+                                        <p:attrNameLst>
+                                          <p:attrName>style.visibility</p:attrName>
+                                        </p:attrNameLst>
+                                      </p:cBhvr>
+                                      <p:to>
+                                        <p:strVal val="visible"/>
+                                      </p:to>
+                                    </p:set>
+                                    <p:animEffect filter="slide(fromBottom)" transition="in">
+                                      <p:cBhvr additive="repl">
+                                        <p:cTn id="20" dur="500"/>
+                                        <p:tgtEl>
+                                          <p:spTgt spid="141"/>
+                                        </p:tgtEl>
+                                      </p:cBhvr>
+                                    </p:animEffect>
+                                  </p:childTnLst>
+                                </p:cTn>
+                              </p:par>
+                            </p:childTnLst>
+                          </p:cTn>
+                        </p:par>
+                      </p:childTnLst>
+                    </p:cTn>
+                  </p:par>
+                  <p:par>
+                    <p:cTn id="21" fill="hold">
+                      <p:stCondLst>
+                        <p:cond delay="indefinite"/>
+                      </p:stCondLst>
+                      <p:childTnLst>
+                        <p:par>
+                          <p:cTn id="22" fill="hold">
+                            <p:stCondLst>
+                              <p:cond delay="0"/>
+                            </p:stCondLst>
+                            <p:childTnLst>
+                              <p:par>
+                                <p:cTn id="23" nodeType="clickEffect" fill="hold" presetClass="entr" presetID="12" presetSubtype="4">
+                                  <p:stCondLst>
+                                    <p:cond delay="0"/>
+                                  </p:stCondLst>
+                                  <p:childTnLst>
+                                    <p:set>
+                                      <p:cBhvr>
+                                        <p:cTn id="24" dur="1" fill="hold">
+                                          <p:stCondLst>
+                                            <p:cond delay="0"/>
+                                          </p:stCondLst>
+                                        </p:cTn>
+                                        <p:tgtEl>
+                                          <p:spTgt spid="142"/>
+                                        </p:tgtEl>
+                                        <p:attrNameLst>
+                                          <p:attrName>style.visibility</p:attrName>
+                                        </p:attrNameLst>
+                                      </p:cBhvr>
+                                      <p:to>
+                                        <p:strVal val="visible"/>
+                                      </p:to>
+                                    </p:set>
+                                    <p:animEffect filter="slide(fromBottom)" transition="in">
+                                      <p:cBhvr additive="repl">
+                                        <p:cTn id="25" dur="500"/>
+                                        <p:tgtEl>
+                                          <p:spTgt spid="142"/>
+                                        </p:tgtEl>
+                                      </p:cBhvr>
+                                    </p:animEffect>
+                                  </p:childTnLst>
+                                </p:cTn>
+                              </p:par>
+                            </p:childTnLst>
+                          </p:cTn>
+                        </p:par>
+                      </p:childTnLst>
+                    </p:cTn>
+                  </p:par>
+                  <p:par>
+                    <p:cTn id="26" fill="hold">
+                      <p:stCondLst>
+                        <p:cond delay="indefinite"/>
+                      </p:stCondLst>
+                      <p:childTnLst>
+                        <p:par>
+                          <p:cTn id="27" fill="hold">
+                            <p:stCondLst>
+                              <p:cond delay="0"/>
+                            </p:stCondLst>
+                            <p:childTnLst>
+                              <p:par>
+                                <p:cTn id="28" nodeType="clickEffect" fill="hold" presetClass="entr" presetID="12" presetSubtype="4">
+                                  <p:stCondLst>
+                                    <p:cond delay="0"/>
+                                  </p:stCondLst>
+                                  <p:childTnLst>
+                                    <p:set>
+                                      <p:cBhvr>
+                                        <p:cTn id="29" dur="1" fill="hold">
+                                          <p:stCondLst>
+                                            <p:cond delay="0"/>
+                                          </p:stCondLst>
+                                        </p:cTn>
+                                        <p:tgtEl>
+                                          <p:spTgt spid="143"/>
+                                        </p:tgtEl>
+                                        <p:attrNameLst>
+                                          <p:attrName>style.visibility</p:attrName>
+                                        </p:attrNameLst>
+                                      </p:cBhvr>
+                                      <p:to>
+                                        <p:strVal val="visible"/>
+                                      </p:to>
+                                    </p:set>
+                                    <p:animEffect filter="slide(fromBottom)" transition="in">
+                                      <p:cBhvr additive="repl">
+                                        <p:cTn id="30" dur="500"/>
+                                        <p:tgtEl>
+                                          <p:spTgt spid="143"/>
+                                        </p:tgtEl>
+                                      </p:cBhvr>
+                                    </p:animEffect>
+                                  </p:childTnLst>
+                                </p:cTn>
+                              </p:par>
+                            </p:childTnLst>
+                          </p:cTn>
+                        </p:par>
+                      </p:childTnLst>
+                    </p:cTn>
+                  </p:par>
+                </p:childTnLst>
+              </p:cTn>
+              <p:prevCondLst>
+                <p:cond delay="0" evt="onPrev">
+                  <p:tgtEl>
+                    <p:sldTgt/>
+                  </p:tgtEl>
+                </p:cond>
+              </p:prevCondLst>
+              <p:nextCondLst>
+                <p:cond delay="0" evt="onNext">
+                  <p:tgtEl>
+                    <p:sldTgt/>
+                  </p:tgtEl>
+                </p:cond>
+              </p:nextCondLst>
+            </p:seq>
+          </p:childTnLst>
+        </p:cTn>
+      </p:par>
+    </p:tnLst>
+  </p:timing>
+</p:sld>
+</file>
+
+<file path=ppt/slides/slide6.xml><?xml version="1.0" encoding="utf-8"?>
+<p:sld xmlns:a="http://schemas.openxmlformats.org/drawingml/2006/main" xmlns:p="http://schemas.openxmlformats.org/presentationml/2006/main" xmlns:r="http://schemas.openxmlformats.org/officeDocument/2006/relationships" xmlns:p14="http://schemas.microsoft.com/office/powerpoint/2010/main" xmlns:p15="http://schemas.microsoft.com/office/powerpoint/2012/main" xmlns:mc="http://schemas.openxmlformats.org/markup-compatibility/2006">
+  <p:cSld>
+    <p:spTree>
+      <p:nvGrpSpPr>
+        <p:cNvPr id="1" name=""/>
+        <p:cNvGrpSpPr/>
+        <p:nvPr/>
+      </p:nvGrpSpPr>
+      <p:grpSpPr>
+        <a:xfrm>
+          <a:off x="0" y="0"/>
+          <a:ext cx="0" cy="0"/>
+          <a:chOff x="0" y="0"/>
+          <a:chExt cx="0" cy="0"/>
+        </a:xfrm>
+      </p:grpSpPr>
+      <p:pic>
+        <p:nvPicPr>
+          <p:cNvPr id="144" name="Picture 6" descr=""/>
+          <p:cNvPicPr/>
+          <p:nvPr/>
+        </p:nvPicPr>
+        <p:blipFill>
+          <a:blip r:embed="rId1"/>
+          <a:stretch/>
+        </p:blipFill>
+        <p:spPr>
+          <a:xfrm>
+            <a:off x="640080" y="251640"/>
+            <a:ext cx="9143280" cy="5142960"/>
+          </a:xfrm>
+          <a:prstGeom prst="rect">
+            <a:avLst/>
+          </a:prstGeom>
+          <a:ln>
+            <a:noFill/>
+          </a:ln>
+        </p:spPr>
+      </p:pic>
+    </p:spTree>
+  </p:cSld>
+  <p:timing>
+    <p:tnLst>
+      <p:par>
+        <p:cTn id="31" dur="indefinite" restart="never" nodeType="tmRoot">
+          <p:childTnLst>
+            <p:seq>
+              <p:cTn id="32" dur="indefinite" nodeType="mainSeq"/>
               <p:prevCondLst>
                 <p:cond delay="0" evt="onPrev">
                   <p:tgtEl>
@@ -5042,4 +7611,227 @@
     </a:fmtScheme>
   </a:themeElements>
 </a:theme>
+</file>
+
+<file path=ppt/theme/theme3.xml><?xml version="1.0" encoding="utf-8"?>
+<a:theme xmlns:a="http://schemas.openxmlformats.org/drawingml/2006/main" name="Office Theme">
+  <a:themeElements>
+    <a:clrScheme name="Office">
+      <a:dk1>
+        <a:sysClr val="windowText" lastClr="000000"/>
+      </a:dk1>
+      <a:lt1>
+        <a:sysClr val="window" lastClr="FFFFFF"/>
+      </a:lt1>
+      <a:dk2>
+        <a:srgbClr val="1f497d"/>
+      </a:dk2>
+      <a:lt2>
+        <a:srgbClr val="eeece1"/>
+      </a:lt2>
+      <a:accent1>
+        <a:srgbClr val="4f81bd"/>
+      </a:accent1>
+      <a:accent2>
+        <a:srgbClr val="c0504d"/>
+      </a:accent2>
+      <a:accent3>
+        <a:srgbClr val="9bbb59"/>
+      </a:accent3>
+      <a:accent4>
+        <a:srgbClr val="8064a2"/>
+      </a:accent4>
+      <a:accent5>
+        <a:srgbClr val="4bacc6"/>
+      </a:accent5>
+      <a:accent6>
+        <a:srgbClr val="f79646"/>
+      </a:accent6>
+      <a:hlink>
+        <a:srgbClr val="0000ff"/>
+      </a:hlink>
+      <a:folHlink>
+        <a:srgbClr val="800080"/>
+      </a:folHlink>
+    </a:clrScheme>
+    <a:fontScheme name="Office">
+      <a:majorFont>
+        <a:latin typeface="Arial"/>
+        <a:ea typeface="DejaVu Sans"/>
+        <a:cs typeface="DejaVu Sans"/>
+      </a:majorFont>
+      <a:minorFont>
+        <a:latin typeface="Arial"/>
+        <a:ea typeface="DejaVu Sans"/>
+        <a:cs typeface="DejaVu Sans"/>
+      </a:minorFont>
+    </a:fontScheme>
+    <a:fmtScheme name="Office">
+      <a:fillStyleLst>
+        <a:solidFill>
+          <a:schemeClr val="phClr"/>
+        </a:solidFill>
+        <a:gradFill rotWithShape="1">
+          <a:gsLst>
+            <a:gs pos="0">
+              <a:schemeClr val="phClr">
+                <a:tint val="50000"/>
+                <a:satMod val="300000"/>
+              </a:schemeClr>
+            </a:gs>
+            <a:gs pos="35000">
+              <a:schemeClr val="phClr">
+                <a:tint val="37000"/>
+                <a:satMod val="300000"/>
+              </a:schemeClr>
+            </a:gs>
+            <a:gs pos="100000">
+              <a:schemeClr val="phClr">
+                <a:tint val="15000"/>
+                <a:satMod val="350000"/>
+              </a:schemeClr>
+            </a:gs>
+          </a:gsLst>
+          <a:lin ang="16200000" scaled="1"/>
+        </a:gradFill>
+        <a:gradFill rotWithShape="1">
+          <a:gsLst>
+            <a:gs pos="0">
+              <a:schemeClr val="phClr">
+                <a:shade val="51000"/>
+                <a:satMod val="130000"/>
+              </a:schemeClr>
+            </a:gs>
+            <a:gs pos="80000">
+              <a:schemeClr val="phClr">
+                <a:shade val="93000"/>
+                <a:satMod val="130000"/>
+              </a:schemeClr>
+            </a:gs>
+            <a:gs pos="100000">
+              <a:schemeClr val="phClr">
+                <a:shade val="94000"/>
+                <a:satMod val="135000"/>
+              </a:schemeClr>
+            </a:gs>
+          </a:gsLst>
+          <a:lin ang="16200000" scaled="0"/>
+        </a:gradFill>
+      </a:fillStyleLst>
+      <a:lnStyleLst>
+        <a:ln w="9525" cap="flat" cmpd="sng" algn="ctr">
+          <a:solidFill>
+            <a:schemeClr val="phClr">
+              <a:shade val="95000"/>
+              <a:satMod val="105000"/>
+            </a:schemeClr>
+          </a:solidFill>
+          <a:prstDash val="solid"/>
+        </a:ln>
+        <a:ln w="25400" cap="flat" cmpd="sng" algn="ctr">
+          <a:solidFill>
+            <a:schemeClr val="phClr"/>
+          </a:solidFill>
+          <a:prstDash val="solid"/>
+        </a:ln>
+        <a:ln w="38100" cap="flat" cmpd="sng" algn="ctr">
+          <a:solidFill>
+            <a:schemeClr val="phClr"/>
+          </a:solidFill>
+          <a:prstDash val="solid"/>
+        </a:ln>
+      </a:lnStyleLst>
+      <a:effectStyleLst>
+        <a:effectStyle>
+          <a:effectLst>
+            <a:outerShdw blurRad="40000" dist="20000" dir="5400000" rotWithShape="0">
+              <a:srgbClr val="000000">
+                <a:alpha val="38000"/>
+              </a:srgbClr>
+            </a:outerShdw>
+          </a:effectLst>
+        </a:effectStyle>
+        <a:effectStyle>
+          <a:effectLst>
+            <a:outerShdw blurRad="40000" dist="23000" dir="5400000" rotWithShape="0">
+              <a:srgbClr val="000000">
+                <a:alpha val="35000"/>
+              </a:srgbClr>
+            </a:outerShdw>
+          </a:effectLst>
+        </a:effectStyle>
+        <a:effectStyle>
+          <a:effectLst>
+            <a:outerShdw blurRad="40000" dist="23000" dir="5400000" rotWithShape="0">
+              <a:srgbClr val="000000">
+                <a:alpha val="35000"/>
+              </a:srgbClr>
+            </a:outerShdw>
+          </a:effectLst>
+          <a:scene3d>
+            <a:camera prst="orthographicFront">
+              <a:rot lat="0" lon="0" rev="0"/>
+            </a:camera>
+            <a:lightRig rig="threePt" dir="t">
+              <a:rot lat="0" lon="0" rev="1200000"/>
+            </a:lightRig>
+          </a:scene3d>
+          <a:sp3d>
+            <a:bevelT w="63500" h="25400"/>
+          </a:sp3d>
+        </a:effectStyle>
+      </a:effectStyleLst>
+      <a:bgFillStyleLst>
+        <a:solidFill>
+          <a:schemeClr val="phClr"/>
+        </a:solidFill>
+        <a:gradFill rotWithShape="1">
+          <a:gsLst>
+            <a:gs pos="0">
+              <a:schemeClr val="phClr">
+                <a:tint val="40000"/>
+                <a:satMod val="350000"/>
+              </a:schemeClr>
+            </a:gs>
+            <a:gs pos="40000">
+              <a:schemeClr val="phClr">
+                <a:tint val="45000"/>
+                <a:shade val="99000"/>
+                <a:satMod val="350000"/>
+              </a:schemeClr>
+            </a:gs>
+            <a:gs pos="100000">
+              <a:schemeClr val="phClr">
+                <a:shade val="20000"/>
+                <a:satMod val="255000"/>
+              </a:schemeClr>
+            </a:gs>
+          </a:gsLst>
+          <a:path path="circle">
+            <a:fillToRect l="50000" t="-80000" r="50000" b="180000"/>
+          </a:path>
+        </a:gradFill>
+        <a:gradFill rotWithShape="1">
+          <a:gsLst>
+            <a:gs pos="0">
+              <a:schemeClr val="phClr">
+                <a:tint val="80000"/>
+                <a:satMod val="300000"/>
+              </a:schemeClr>
+            </a:gs>
+            <a:gs pos="100000">
+              <a:schemeClr val="phClr">
+                <a:shade val="30000"/>
+                <a:satMod val="200000"/>
+              </a:schemeClr>
+            </a:gs>
+          </a:gsLst>
+          <a:path path="circle">
+            <a:fillToRect l="50000" t="50000" r="50000" b="50000"/>
+          </a:path>
+        </a:gradFill>
+      </a:bgFillStyleLst>
+    </a:fmtScheme>
+  </a:themeElements>
+</a:theme>
 </file>